--- a/info/typical views -union plaza.pptx
+++ b/info/typical views -union plaza.pptx
@@ -7,6 +7,10 @@
   <p:sldIdLst>
     <p:sldId id="256" r:id="rId2"/>
     <p:sldId id="257" r:id="rId3"/>
+    <p:sldId id="260" r:id="rId4"/>
+    <p:sldId id="261" r:id="rId5"/>
+    <p:sldId id="262" r:id="rId6"/>
+    <p:sldId id="259" r:id="rId7"/>
   </p:sldIdLst>
   <p:sldSz cx="10058400" cy="10058400"/>
   <p:notesSz cx="6858000" cy="9144000"/>
@@ -105,6 +109,11 @@
       </a:defRPr>
     </a:lvl9pPr>
   </p:defaultTextStyle>
+  <p:extLst>
+    <p:ext uri="{EFAFB233-063F-42B5-8137-9DF3F51BA10A}">
+      <p15:sldGuideLst xmlns:p15="http://schemas.microsoft.com/office/powerpoint/2012/main"/>
+    </p:ext>
+  </p:extLst>
 </p:presentation>
 </file>
 
@@ -239,7 +248,7 @@
           <a:p>
             <a:fld id="{C4BD10FF-D5E1-407B-A882-DA94F481EDB8}" type="datetimeFigureOut">
               <a:rPr lang="en-US" smtClean="0"/>
-              <a:t>12/16/2024</a:t>
+              <a:t>12/19/2024</a:t>
             </a:fld>
             <a:endParaRPr lang="en-US"/>
           </a:p>
@@ -409,7 +418,7 @@
           <a:p>
             <a:fld id="{C4BD10FF-D5E1-407B-A882-DA94F481EDB8}" type="datetimeFigureOut">
               <a:rPr lang="en-US" smtClean="0"/>
-              <a:t>12/16/2024</a:t>
+              <a:t>12/19/2024</a:t>
             </a:fld>
             <a:endParaRPr lang="en-US"/>
           </a:p>
@@ -589,7 +598,7 @@
           <a:p>
             <a:fld id="{C4BD10FF-D5E1-407B-A882-DA94F481EDB8}" type="datetimeFigureOut">
               <a:rPr lang="en-US" smtClean="0"/>
-              <a:t>12/16/2024</a:t>
+              <a:t>12/19/2024</a:t>
             </a:fld>
             <a:endParaRPr lang="en-US"/>
           </a:p>
@@ -759,7 +768,7 @@
           <a:p>
             <a:fld id="{C4BD10FF-D5E1-407B-A882-DA94F481EDB8}" type="datetimeFigureOut">
               <a:rPr lang="en-US" smtClean="0"/>
-              <a:t>12/16/2024</a:t>
+              <a:t>12/19/2024</a:t>
             </a:fld>
             <a:endParaRPr lang="en-US"/>
           </a:p>
@@ -1003,7 +1012,7 @@
           <a:p>
             <a:fld id="{C4BD10FF-D5E1-407B-A882-DA94F481EDB8}" type="datetimeFigureOut">
               <a:rPr lang="en-US" smtClean="0"/>
-              <a:t>12/16/2024</a:t>
+              <a:t>12/19/2024</a:t>
             </a:fld>
             <a:endParaRPr lang="en-US"/>
           </a:p>
@@ -1235,7 +1244,7 @@
           <a:p>
             <a:fld id="{C4BD10FF-D5E1-407B-A882-DA94F481EDB8}" type="datetimeFigureOut">
               <a:rPr lang="en-US" smtClean="0"/>
-              <a:t>12/16/2024</a:t>
+              <a:t>12/19/2024</a:t>
             </a:fld>
             <a:endParaRPr lang="en-US"/>
           </a:p>
@@ -1602,7 +1611,7 @@
           <a:p>
             <a:fld id="{C4BD10FF-D5E1-407B-A882-DA94F481EDB8}" type="datetimeFigureOut">
               <a:rPr lang="en-US" smtClean="0"/>
-              <a:t>12/16/2024</a:t>
+              <a:t>12/19/2024</a:t>
             </a:fld>
             <a:endParaRPr lang="en-US"/>
           </a:p>
@@ -1720,7 +1729,7 @@
           <a:p>
             <a:fld id="{C4BD10FF-D5E1-407B-A882-DA94F481EDB8}" type="datetimeFigureOut">
               <a:rPr lang="en-US" smtClean="0"/>
-              <a:t>12/16/2024</a:t>
+              <a:t>12/19/2024</a:t>
             </a:fld>
             <a:endParaRPr lang="en-US"/>
           </a:p>
@@ -1815,7 +1824,7 @@
           <a:p>
             <a:fld id="{C4BD10FF-D5E1-407B-A882-DA94F481EDB8}" type="datetimeFigureOut">
               <a:rPr lang="en-US" smtClean="0"/>
-              <a:t>12/16/2024</a:t>
+              <a:t>12/19/2024</a:t>
             </a:fld>
             <a:endParaRPr lang="en-US"/>
           </a:p>
@@ -2092,7 +2101,7 @@
           <a:p>
             <a:fld id="{C4BD10FF-D5E1-407B-A882-DA94F481EDB8}" type="datetimeFigureOut">
               <a:rPr lang="en-US" smtClean="0"/>
-              <a:t>12/16/2024</a:t>
+              <a:t>12/19/2024</a:t>
             </a:fld>
             <a:endParaRPr lang="en-US"/>
           </a:p>
@@ -2349,7 +2358,7 @@
           <a:p>
             <a:fld id="{C4BD10FF-D5E1-407B-A882-DA94F481EDB8}" type="datetimeFigureOut">
               <a:rPr lang="en-US" smtClean="0"/>
-              <a:t>12/16/2024</a:t>
+              <a:t>12/19/2024</a:t>
             </a:fld>
             <a:endParaRPr lang="en-US"/>
           </a:p>
@@ -2562,7 +2571,7 @@
           <a:p>
             <a:fld id="{C4BD10FF-D5E1-407B-A882-DA94F481EDB8}" type="datetimeFigureOut">
               <a:rPr lang="en-US" smtClean="0"/>
-              <a:t>12/16/2024</a:t>
+              <a:t>12/19/2024</a:t>
             </a:fld>
             <a:endParaRPr lang="en-US"/>
           </a:p>
@@ -6528,6 +6537,5127 @@
 </p:sld>
 </file>
 
+<file path=ppt/slides/slide3.xml><?xml version="1.0" encoding="utf-8"?>
+<p:sld xmlns:a="http://schemas.openxmlformats.org/drawingml/2006/main" xmlns:r="http://schemas.openxmlformats.org/officeDocument/2006/relationships" xmlns:p="http://schemas.openxmlformats.org/presentationml/2006/main">
+  <p:cSld>
+    <p:spTree>
+      <p:nvGrpSpPr>
+        <p:cNvPr id="1" name=""/>
+        <p:cNvGrpSpPr/>
+        <p:nvPr/>
+      </p:nvGrpSpPr>
+      <p:grpSpPr>
+        <a:xfrm>
+          <a:off x="0" y="0"/>
+          <a:ext cx="0" cy="0"/>
+          <a:chOff x="0" y="0"/>
+          <a:chExt cx="0" cy="0"/>
+        </a:xfrm>
+      </p:grpSpPr>
+      <p:pic>
+        <p:nvPicPr>
+          <p:cNvPr id="25" name="Picture 24">
+            <a:extLst>
+              <a:ext uri="{FF2B5EF4-FFF2-40B4-BE49-F238E27FC236}">
+                <a16:creationId xmlns:a16="http://schemas.microsoft.com/office/drawing/2014/main" id="{396F49DD-AC01-447B-93CA-8ED95949649D}"/>
+              </a:ext>
+            </a:extLst>
+          </p:cNvPr>
+          <p:cNvPicPr>
+            <a:picLocks noChangeAspect="1"/>
+          </p:cNvPicPr>
+          <p:nvPr/>
+        </p:nvPicPr>
+        <p:blipFill rotWithShape="1">
+          <a:blip r:embed="rId2">
+            <a:extLst>
+              <a:ext uri="{28A0092B-C50C-407E-A947-70E740481C1C}">
+                <a14:useLocalDpi xmlns:a14="http://schemas.microsoft.com/office/drawing/2010/main" val="0"/>
+              </a:ext>
+            </a:extLst>
+          </a:blip>
+          <a:srcRect l="5083" t="16002" r="836" b="2603"/>
+          <a:stretch/>
+        </p:blipFill>
+        <p:spPr>
+          <a:xfrm rot="60000">
+            <a:off x="-10141338" y="-19086556"/>
+            <a:ext cx="28391731" cy="37962468"/>
+          </a:xfrm>
+          <a:prstGeom prst="rect">
+            <a:avLst/>
+          </a:prstGeom>
+        </p:spPr>
+      </p:pic>
+      <p:grpSp>
+        <p:nvGrpSpPr>
+          <p:cNvPr id="7" name="Group 6"/>
+          <p:cNvGrpSpPr/>
+          <p:nvPr/>
+        </p:nvGrpSpPr>
+        <p:grpSpPr>
+          <a:xfrm>
+            <a:off x="5823869" y="160638"/>
+            <a:ext cx="3010931" cy="10270524"/>
+            <a:chOff x="5823869" y="160638"/>
+            <a:chExt cx="3010931" cy="10270524"/>
+          </a:xfrm>
+        </p:grpSpPr>
+        <p:cxnSp>
+          <p:nvCxnSpPr>
+            <p:cNvPr id="6" name="Straight Connector 5"/>
+            <p:cNvCxnSpPr/>
+            <p:nvPr/>
+          </p:nvCxnSpPr>
+          <p:spPr>
+            <a:xfrm>
+              <a:off x="8834800" y="160638"/>
+              <a:ext cx="0" cy="9897762"/>
+            </a:xfrm>
+            <a:prstGeom prst="line">
+              <a:avLst/>
+            </a:prstGeom>
+            <a:ln w="28575">
+              <a:solidFill>
+                <a:srgbClr val="0070C0"/>
+              </a:solidFill>
+            </a:ln>
+          </p:spPr>
+          <p:style>
+            <a:lnRef idx="1">
+              <a:schemeClr val="accent1"/>
+            </a:lnRef>
+            <a:fillRef idx="0">
+              <a:schemeClr val="accent1"/>
+            </a:fillRef>
+            <a:effectRef idx="0">
+              <a:schemeClr val="accent1"/>
+            </a:effectRef>
+            <a:fontRef idx="minor">
+              <a:schemeClr val="tx1"/>
+            </a:fontRef>
+          </p:style>
+        </p:cxnSp>
+        <p:cxnSp>
+          <p:nvCxnSpPr>
+            <p:cNvPr id="60" name="Straight Connector 59"/>
+            <p:cNvCxnSpPr/>
+            <p:nvPr/>
+          </p:nvCxnSpPr>
+          <p:spPr>
+            <a:xfrm>
+              <a:off x="5823869" y="533400"/>
+              <a:ext cx="0" cy="9897762"/>
+            </a:xfrm>
+            <a:prstGeom prst="line">
+              <a:avLst/>
+            </a:prstGeom>
+            <a:ln w="28575">
+              <a:solidFill>
+                <a:srgbClr val="0070C0"/>
+              </a:solidFill>
+            </a:ln>
+          </p:spPr>
+          <p:style>
+            <a:lnRef idx="1">
+              <a:schemeClr val="accent1"/>
+            </a:lnRef>
+            <a:fillRef idx="0">
+              <a:schemeClr val="accent1"/>
+            </a:fillRef>
+            <a:effectRef idx="0">
+              <a:schemeClr val="accent1"/>
+            </a:effectRef>
+            <a:fontRef idx="minor">
+              <a:schemeClr val="tx1"/>
+            </a:fontRef>
+          </p:style>
+        </p:cxnSp>
+      </p:grpSp>
+      <p:sp>
+        <p:nvSpPr>
+          <p:cNvPr id="43" name="Frame 42">
+            <a:extLst>
+              <a:ext uri="{FF2B5EF4-FFF2-40B4-BE49-F238E27FC236}">
+                <a16:creationId xmlns:a16="http://schemas.microsoft.com/office/drawing/2014/main" id="{66B7EEC8-41A4-419E-8396-AD92C84F1821}"/>
+              </a:ext>
+            </a:extLst>
+          </p:cNvPr>
+          <p:cNvSpPr>
+            <a:spLocks noChangeAspect="1"/>
+          </p:cNvSpPr>
+          <p:nvPr/>
+        </p:nvSpPr>
+        <p:spPr>
+          <a:xfrm>
+            <a:off x="4749800" y="533400"/>
+            <a:ext cx="5271252" cy="9239250"/>
+          </a:xfrm>
+          <a:prstGeom prst="frame">
+            <a:avLst>
+              <a:gd name="adj1" fmla="val 14440"/>
+            </a:avLst>
+          </a:prstGeom>
+          <a:solidFill>
+            <a:schemeClr val="bg1">
+              <a:lumMod val="50000"/>
+            </a:schemeClr>
+          </a:solidFill>
+          <a:ln>
+            <a:noFill/>
+          </a:ln>
+        </p:spPr>
+        <p:style>
+          <a:lnRef idx="2">
+            <a:schemeClr val="accent1">
+              <a:shade val="50000"/>
+            </a:schemeClr>
+          </a:lnRef>
+          <a:fillRef idx="1">
+            <a:schemeClr val="accent1"/>
+          </a:fillRef>
+          <a:effectRef idx="0">
+            <a:schemeClr val="accent1"/>
+          </a:effectRef>
+          <a:fontRef idx="minor">
+            <a:schemeClr val="lt1"/>
+          </a:fontRef>
+        </p:style>
+        <p:txBody>
+          <a:bodyPr rtlCol="0" anchor="ctr"/>
+          <a:lstStyle/>
+          <a:p>
+            <a:pPr algn="ctr"/>
+            <a:endParaRPr lang="en-US">
+              <a:solidFill>
+                <a:schemeClr val="tx1"/>
+              </a:solidFill>
+            </a:endParaRPr>
+          </a:p>
+        </p:txBody>
+      </p:sp>
+      <p:grpSp>
+        <p:nvGrpSpPr>
+          <p:cNvPr id="26" name="Group 25">
+            <a:extLst>
+              <a:ext uri="{FF2B5EF4-FFF2-40B4-BE49-F238E27FC236}">
+                <a16:creationId xmlns:a16="http://schemas.microsoft.com/office/drawing/2014/main" id="{1E7CEBF0-253A-4A5D-A01B-36BFABC689F7}"/>
+              </a:ext>
+            </a:extLst>
+          </p:cNvPr>
+          <p:cNvGrpSpPr>
+            <a:grpSpLocks noChangeAspect="1"/>
+          </p:cNvGrpSpPr>
+          <p:nvPr/>
+        </p:nvGrpSpPr>
+        <p:grpSpPr>
+          <a:xfrm>
+            <a:off x="5297883" y="1117189"/>
+            <a:ext cx="4184663" cy="8101584"/>
+            <a:chOff x="1264447" y="1411033"/>
+            <a:chExt cx="2093906" cy="4053840"/>
+          </a:xfrm>
+        </p:grpSpPr>
+        <p:sp>
+          <p:nvSpPr>
+            <p:cNvPr id="27" name="Rectangle 26">
+              <a:extLst>
+                <a:ext uri="{FF2B5EF4-FFF2-40B4-BE49-F238E27FC236}">
+                  <a16:creationId xmlns:a16="http://schemas.microsoft.com/office/drawing/2014/main" id="{30C55BB7-0BCC-456A-8936-24ABFEE52F4A}"/>
+                </a:ext>
+              </a:extLst>
+            </p:cNvPr>
+            <p:cNvSpPr/>
+            <p:nvPr/>
+          </p:nvSpPr>
+          <p:spPr>
+            <a:xfrm>
+              <a:off x="1371600" y="1498600"/>
+              <a:ext cx="1879600" cy="3860800"/>
+            </a:xfrm>
+            <a:prstGeom prst="rect">
+              <a:avLst/>
+            </a:prstGeom>
+            <a:noFill/>
+            <a:ln>
+              <a:solidFill>
+                <a:schemeClr val="tx1"/>
+              </a:solidFill>
+            </a:ln>
+          </p:spPr>
+          <p:style>
+            <a:lnRef idx="2">
+              <a:schemeClr val="accent1">
+                <a:shade val="50000"/>
+              </a:schemeClr>
+            </a:lnRef>
+            <a:fillRef idx="1">
+              <a:schemeClr val="accent1"/>
+            </a:fillRef>
+            <a:effectRef idx="0">
+              <a:schemeClr val="accent1"/>
+            </a:effectRef>
+            <a:fontRef idx="minor">
+              <a:schemeClr val="lt1"/>
+            </a:fontRef>
+          </p:style>
+          <p:txBody>
+            <a:bodyPr rot="0" spcFirstLastPara="0" vertOverflow="overflow" horzOverflow="overflow" vert="horz" wrap="square" lIns="91440" tIns="45720" rIns="91440" bIns="45720" numCol="1" spcCol="0" rtlCol="0" fromWordArt="0" anchor="ctr" anchorCtr="0" forceAA="0" compatLnSpc="1">
+              <a:prstTxWarp prst="textNoShape">
+                <a:avLst/>
+              </a:prstTxWarp>
+              <a:noAutofit/>
+            </a:bodyPr>
+            <a:lstStyle/>
+            <a:p>
+              <a:pPr algn="ctr"/>
+              <a:endParaRPr lang="en-US"/>
+            </a:p>
+          </p:txBody>
+        </p:sp>
+        <p:sp>
+          <p:nvSpPr>
+            <p:cNvPr id="28" name="Rectangle: Rounded Corners 27">
+              <a:extLst>
+                <a:ext uri="{FF2B5EF4-FFF2-40B4-BE49-F238E27FC236}">
+                  <a16:creationId xmlns:a16="http://schemas.microsoft.com/office/drawing/2014/main" id="{1ADE421C-367D-46FF-B471-10D6610BB2EA}"/>
+                </a:ext>
+              </a:extLst>
+            </p:cNvPr>
+            <p:cNvSpPr/>
+            <p:nvPr/>
+          </p:nvSpPr>
+          <p:spPr>
+            <a:xfrm>
+              <a:off x="1264447" y="1411033"/>
+              <a:ext cx="2093906" cy="4053840"/>
+            </a:xfrm>
+            <a:prstGeom prst="roundRect">
+              <a:avLst>
+                <a:gd name="adj" fmla="val 6741"/>
+              </a:avLst>
+            </a:prstGeom>
+            <a:noFill/>
+            <a:ln>
+              <a:solidFill>
+                <a:schemeClr val="tx1"/>
+              </a:solidFill>
+            </a:ln>
+          </p:spPr>
+          <p:style>
+            <a:lnRef idx="2">
+              <a:schemeClr val="accent1">
+                <a:shade val="50000"/>
+              </a:schemeClr>
+            </a:lnRef>
+            <a:fillRef idx="1">
+              <a:schemeClr val="accent1"/>
+            </a:fillRef>
+            <a:effectRef idx="0">
+              <a:schemeClr val="accent1"/>
+            </a:effectRef>
+            <a:fontRef idx="minor">
+              <a:schemeClr val="lt1"/>
+            </a:fontRef>
+          </p:style>
+          <p:txBody>
+            <a:bodyPr rot="0" spcFirstLastPara="0" vertOverflow="overflow" horzOverflow="overflow" vert="horz" wrap="square" lIns="91440" tIns="45720" rIns="91440" bIns="45720" numCol="1" spcCol="0" rtlCol="0" fromWordArt="0" anchor="ctr" anchorCtr="0" forceAA="0" compatLnSpc="1">
+              <a:prstTxWarp prst="textNoShape">
+                <a:avLst/>
+              </a:prstTxWarp>
+              <a:noAutofit/>
+            </a:bodyPr>
+            <a:lstStyle/>
+            <a:p>
+              <a:pPr algn="ctr"/>
+              <a:endParaRPr lang="en-US"/>
+            </a:p>
+          </p:txBody>
+        </p:sp>
+      </p:grpSp>
+      <p:grpSp>
+        <p:nvGrpSpPr>
+          <p:cNvPr id="39" name="Group 38">
+            <a:extLst>
+              <a:ext uri="{FF2B5EF4-FFF2-40B4-BE49-F238E27FC236}">
+                <a16:creationId xmlns:a16="http://schemas.microsoft.com/office/drawing/2014/main" id="{54E3C276-1D5F-4C90-A2F5-4FD6E4D1122D}"/>
+              </a:ext>
+            </a:extLst>
+          </p:cNvPr>
+          <p:cNvGrpSpPr>
+            <a:grpSpLocks noChangeAspect="1"/>
+          </p:cNvGrpSpPr>
+          <p:nvPr/>
+        </p:nvGrpSpPr>
+        <p:grpSpPr>
+          <a:xfrm>
+            <a:off x="8487469" y="8201254"/>
+            <a:ext cx="694944" cy="694944"/>
+            <a:chOff x="10164572" y="5626011"/>
+            <a:chExt cx="384048" cy="384048"/>
+          </a:xfrm>
+        </p:grpSpPr>
+        <p:sp>
+          <p:nvSpPr>
+            <p:cNvPr id="40" name="Oval 39">
+              <a:extLst>
+                <a:ext uri="{FF2B5EF4-FFF2-40B4-BE49-F238E27FC236}">
+                  <a16:creationId xmlns:a16="http://schemas.microsoft.com/office/drawing/2014/main" id="{5AF44FBC-7FEF-4888-9EB8-F29F025E66BD}"/>
+                </a:ext>
+              </a:extLst>
+            </p:cNvPr>
+            <p:cNvSpPr>
+              <a:spLocks noChangeAspect="1"/>
+            </p:cNvSpPr>
+            <p:nvPr/>
+          </p:nvSpPr>
+          <p:spPr>
+            <a:xfrm>
+              <a:off x="10164572" y="5626011"/>
+              <a:ext cx="384048" cy="384048"/>
+            </a:xfrm>
+            <a:prstGeom prst="ellipse">
+              <a:avLst/>
+            </a:prstGeom>
+          </p:spPr>
+          <p:style>
+            <a:lnRef idx="2">
+              <a:schemeClr val="accent3">
+                <a:shade val="50000"/>
+              </a:schemeClr>
+            </a:lnRef>
+            <a:fillRef idx="1">
+              <a:schemeClr val="accent3"/>
+            </a:fillRef>
+            <a:effectRef idx="0">
+              <a:schemeClr val="accent3"/>
+            </a:effectRef>
+            <a:fontRef idx="minor">
+              <a:schemeClr val="lt1"/>
+            </a:fontRef>
+          </p:style>
+          <p:txBody>
+            <a:bodyPr rtlCol="0" anchor="ctr"/>
+            <a:lstStyle/>
+            <a:p>
+              <a:pPr algn="ctr"/>
+              <a:endParaRPr lang="en-US" dirty="0"/>
+            </a:p>
+          </p:txBody>
+        </p:sp>
+        <p:sp>
+          <p:nvSpPr>
+            <p:cNvPr id="41" name="Flowchart: Sort 40">
+              <a:extLst>
+                <a:ext uri="{FF2B5EF4-FFF2-40B4-BE49-F238E27FC236}">
+                  <a16:creationId xmlns:a16="http://schemas.microsoft.com/office/drawing/2014/main" id="{A3765348-44B6-4E19-AEB8-CFC6A44D4123}"/>
+                </a:ext>
+              </a:extLst>
+            </p:cNvPr>
+            <p:cNvSpPr/>
+            <p:nvPr/>
+          </p:nvSpPr>
+          <p:spPr>
+            <a:xfrm>
+              <a:off x="10314369" y="5656053"/>
+              <a:ext cx="84455" cy="325252"/>
+            </a:xfrm>
+            <a:prstGeom prst="flowChartSort">
+              <a:avLst/>
+            </a:prstGeom>
+            <a:solidFill>
+              <a:schemeClr val="bg1"/>
+            </a:solidFill>
+            <a:ln>
+              <a:solidFill>
+                <a:schemeClr val="tx1"/>
+              </a:solidFill>
+            </a:ln>
+          </p:spPr>
+          <p:style>
+            <a:lnRef idx="2">
+              <a:schemeClr val="accent1">
+                <a:shade val="50000"/>
+              </a:schemeClr>
+            </a:lnRef>
+            <a:fillRef idx="1">
+              <a:schemeClr val="accent1"/>
+            </a:fillRef>
+            <a:effectRef idx="0">
+              <a:schemeClr val="accent1"/>
+            </a:effectRef>
+            <a:fontRef idx="minor">
+              <a:schemeClr val="lt1"/>
+            </a:fontRef>
+          </p:style>
+          <p:txBody>
+            <a:bodyPr rtlCol="0" anchor="ctr"/>
+            <a:lstStyle/>
+            <a:p>
+              <a:pPr algn="ctr"/>
+              <a:endParaRPr lang="en-US" dirty="0"/>
+            </a:p>
+          </p:txBody>
+        </p:sp>
+        <p:sp>
+          <p:nvSpPr>
+            <p:cNvPr id="42" name="Isosceles Triangle 41">
+              <a:extLst>
+                <a:ext uri="{FF2B5EF4-FFF2-40B4-BE49-F238E27FC236}">
+                  <a16:creationId xmlns:a16="http://schemas.microsoft.com/office/drawing/2014/main" id="{C369C27C-E61A-4AD0-8CF3-64D02F49D34B}"/>
+                </a:ext>
+              </a:extLst>
+            </p:cNvPr>
+            <p:cNvSpPr/>
+            <p:nvPr/>
+          </p:nvSpPr>
+          <p:spPr>
+            <a:xfrm>
+              <a:off x="10314369" y="5658345"/>
+              <a:ext cx="84455" cy="159690"/>
+            </a:xfrm>
+            <a:prstGeom prst="triangle">
+              <a:avLst/>
+            </a:prstGeom>
+            <a:solidFill>
+              <a:srgbClr val="FF6969"/>
+            </a:solidFill>
+            <a:ln>
+              <a:noFill/>
+            </a:ln>
+          </p:spPr>
+          <p:style>
+            <a:lnRef idx="2">
+              <a:schemeClr val="accent1">
+                <a:shade val="50000"/>
+              </a:schemeClr>
+            </a:lnRef>
+            <a:fillRef idx="1">
+              <a:schemeClr val="accent1"/>
+            </a:fillRef>
+            <a:effectRef idx="0">
+              <a:schemeClr val="accent1"/>
+            </a:effectRef>
+            <a:fontRef idx="minor">
+              <a:schemeClr val="lt1"/>
+            </a:fontRef>
+          </p:style>
+          <p:txBody>
+            <a:bodyPr rtlCol="0" anchor="ctr"/>
+            <a:lstStyle/>
+            <a:p>
+              <a:pPr algn="ctr"/>
+              <a:endParaRPr lang="en-US"/>
+            </a:p>
+          </p:txBody>
+        </p:sp>
+      </p:grpSp>
+    </p:spTree>
+    <p:extLst>
+      <p:ext uri="{BB962C8B-B14F-4D97-AF65-F5344CB8AC3E}">
+        <p14:creationId xmlns:p14="http://schemas.microsoft.com/office/powerpoint/2010/main" val="3819871626"/>
+      </p:ext>
+    </p:extLst>
+  </p:cSld>
+  <p:clrMapOvr>
+    <a:masterClrMapping/>
+  </p:clrMapOvr>
+</p:sld>
+</file>
+
+<file path=ppt/slides/slide4.xml><?xml version="1.0" encoding="utf-8"?>
+<p:sld xmlns:a="http://schemas.openxmlformats.org/drawingml/2006/main" xmlns:r="http://schemas.openxmlformats.org/officeDocument/2006/relationships" xmlns:p="http://schemas.openxmlformats.org/presentationml/2006/main">
+  <p:cSld>
+    <p:spTree>
+      <p:nvGrpSpPr>
+        <p:cNvPr id="1" name=""/>
+        <p:cNvGrpSpPr/>
+        <p:nvPr/>
+      </p:nvGrpSpPr>
+      <p:grpSpPr>
+        <a:xfrm>
+          <a:off x="0" y="0"/>
+          <a:ext cx="0" cy="0"/>
+          <a:chOff x="0" y="0"/>
+          <a:chExt cx="0" cy="0"/>
+        </a:xfrm>
+      </p:grpSpPr>
+      <p:pic>
+        <p:nvPicPr>
+          <p:cNvPr id="25" name="Picture 24">
+            <a:extLst>
+              <a:ext uri="{FF2B5EF4-FFF2-40B4-BE49-F238E27FC236}">
+                <a16:creationId xmlns:a16="http://schemas.microsoft.com/office/drawing/2014/main" id="{396F49DD-AC01-447B-93CA-8ED95949649D}"/>
+              </a:ext>
+            </a:extLst>
+          </p:cNvPr>
+          <p:cNvPicPr>
+            <a:picLocks noChangeAspect="1"/>
+          </p:cNvPicPr>
+          <p:nvPr/>
+        </p:nvPicPr>
+        <p:blipFill rotWithShape="1">
+          <a:blip r:embed="rId2">
+            <a:extLst>
+              <a:ext uri="{28A0092B-C50C-407E-A947-70E740481C1C}">
+                <a14:useLocalDpi xmlns:a14="http://schemas.microsoft.com/office/drawing/2010/main" val="0"/>
+              </a:ext>
+            </a:extLst>
+          </a:blip>
+          <a:srcRect l="5083" t="48209" r="836" b="2604"/>
+          <a:stretch/>
+        </p:blipFill>
+        <p:spPr>
+          <a:xfrm rot="19659063">
+            <a:off x="-7376815" y="-4853880"/>
+            <a:ext cx="28391731" cy="22941248"/>
+          </a:xfrm>
+          <a:prstGeom prst="rect">
+            <a:avLst/>
+          </a:prstGeom>
+        </p:spPr>
+      </p:pic>
+      <p:grpSp>
+        <p:nvGrpSpPr>
+          <p:cNvPr id="7" name="Group 6"/>
+          <p:cNvGrpSpPr/>
+          <p:nvPr/>
+        </p:nvGrpSpPr>
+        <p:grpSpPr>
+          <a:xfrm rot="19680000">
+            <a:off x="5823869" y="160638"/>
+            <a:ext cx="3010931" cy="10270524"/>
+            <a:chOff x="5823869" y="160638"/>
+            <a:chExt cx="3010931" cy="10270524"/>
+          </a:xfrm>
+        </p:grpSpPr>
+        <p:cxnSp>
+          <p:nvCxnSpPr>
+            <p:cNvPr id="6" name="Straight Connector 5"/>
+            <p:cNvCxnSpPr/>
+            <p:nvPr/>
+          </p:nvCxnSpPr>
+          <p:spPr>
+            <a:xfrm>
+              <a:off x="8834800" y="160638"/>
+              <a:ext cx="0" cy="9897762"/>
+            </a:xfrm>
+            <a:prstGeom prst="line">
+              <a:avLst/>
+            </a:prstGeom>
+            <a:ln w="28575">
+              <a:solidFill>
+                <a:srgbClr val="0070C0"/>
+              </a:solidFill>
+            </a:ln>
+          </p:spPr>
+          <p:style>
+            <a:lnRef idx="1">
+              <a:schemeClr val="accent1"/>
+            </a:lnRef>
+            <a:fillRef idx="0">
+              <a:schemeClr val="accent1"/>
+            </a:fillRef>
+            <a:effectRef idx="0">
+              <a:schemeClr val="accent1"/>
+            </a:effectRef>
+            <a:fontRef idx="minor">
+              <a:schemeClr val="tx1"/>
+            </a:fontRef>
+          </p:style>
+        </p:cxnSp>
+        <p:cxnSp>
+          <p:nvCxnSpPr>
+            <p:cNvPr id="60" name="Straight Connector 59"/>
+            <p:cNvCxnSpPr/>
+            <p:nvPr/>
+          </p:nvCxnSpPr>
+          <p:spPr>
+            <a:xfrm>
+              <a:off x="5823869" y="533400"/>
+              <a:ext cx="0" cy="9897762"/>
+            </a:xfrm>
+            <a:prstGeom prst="line">
+              <a:avLst/>
+            </a:prstGeom>
+            <a:ln w="28575">
+              <a:solidFill>
+                <a:srgbClr val="0070C0"/>
+              </a:solidFill>
+            </a:ln>
+          </p:spPr>
+          <p:style>
+            <a:lnRef idx="1">
+              <a:schemeClr val="accent1"/>
+            </a:lnRef>
+            <a:fillRef idx="0">
+              <a:schemeClr val="accent1"/>
+            </a:fillRef>
+            <a:effectRef idx="0">
+              <a:schemeClr val="accent1"/>
+            </a:effectRef>
+            <a:fontRef idx="minor">
+              <a:schemeClr val="tx1"/>
+            </a:fontRef>
+          </p:style>
+        </p:cxnSp>
+      </p:grpSp>
+      <p:grpSp>
+        <p:nvGrpSpPr>
+          <p:cNvPr id="39" name="Group 38">
+            <a:extLst>
+              <a:ext uri="{FF2B5EF4-FFF2-40B4-BE49-F238E27FC236}">
+                <a16:creationId xmlns:a16="http://schemas.microsoft.com/office/drawing/2014/main" id="{54E3C276-1D5F-4C90-A2F5-4FD6E4D1122D}"/>
+              </a:ext>
+            </a:extLst>
+          </p:cNvPr>
+          <p:cNvGrpSpPr>
+            <a:grpSpLocks noChangeAspect="1"/>
+          </p:cNvGrpSpPr>
+          <p:nvPr/>
+        </p:nvGrpSpPr>
+        <p:grpSpPr>
+          <a:xfrm rot="19680000">
+            <a:off x="8487469" y="8201254"/>
+            <a:ext cx="694944" cy="694944"/>
+            <a:chOff x="10164572" y="5626011"/>
+            <a:chExt cx="384048" cy="384048"/>
+          </a:xfrm>
+        </p:grpSpPr>
+        <p:sp>
+          <p:nvSpPr>
+            <p:cNvPr id="40" name="Oval 39">
+              <a:extLst>
+                <a:ext uri="{FF2B5EF4-FFF2-40B4-BE49-F238E27FC236}">
+                  <a16:creationId xmlns:a16="http://schemas.microsoft.com/office/drawing/2014/main" id="{5AF44FBC-7FEF-4888-9EB8-F29F025E66BD}"/>
+                </a:ext>
+              </a:extLst>
+            </p:cNvPr>
+            <p:cNvSpPr>
+              <a:spLocks noChangeAspect="1"/>
+            </p:cNvSpPr>
+            <p:nvPr/>
+          </p:nvSpPr>
+          <p:spPr>
+            <a:xfrm>
+              <a:off x="10164572" y="5626011"/>
+              <a:ext cx="384048" cy="384048"/>
+            </a:xfrm>
+            <a:prstGeom prst="ellipse">
+              <a:avLst/>
+            </a:prstGeom>
+          </p:spPr>
+          <p:style>
+            <a:lnRef idx="2">
+              <a:schemeClr val="accent3">
+                <a:shade val="50000"/>
+              </a:schemeClr>
+            </a:lnRef>
+            <a:fillRef idx="1">
+              <a:schemeClr val="accent3"/>
+            </a:fillRef>
+            <a:effectRef idx="0">
+              <a:schemeClr val="accent3"/>
+            </a:effectRef>
+            <a:fontRef idx="minor">
+              <a:schemeClr val="lt1"/>
+            </a:fontRef>
+          </p:style>
+          <p:txBody>
+            <a:bodyPr rtlCol="0" anchor="ctr"/>
+            <a:lstStyle/>
+            <a:p>
+              <a:pPr algn="ctr"/>
+              <a:endParaRPr lang="en-US" dirty="0"/>
+            </a:p>
+          </p:txBody>
+        </p:sp>
+        <p:sp>
+          <p:nvSpPr>
+            <p:cNvPr id="41" name="Flowchart: Sort 40">
+              <a:extLst>
+                <a:ext uri="{FF2B5EF4-FFF2-40B4-BE49-F238E27FC236}">
+                  <a16:creationId xmlns:a16="http://schemas.microsoft.com/office/drawing/2014/main" id="{A3765348-44B6-4E19-AEB8-CFC6A44D4123}"/>
+                </a:ext>
+              </a:extLst>
+            </p:cNvPr>
+            <p:cNvSpPr/>
+            <p:nvPr/>
+          </p:nvSpPr>
+          <p:spPr>
+            <a:xfrm>
+              <a:off x="10314369" y="5656053"/>
+              <a:ext cx="84455" cy="325252"/>
+            </a:xfrm>
+            <a:prstGeom prst="flowChartSort">
+              <a:avLst/>
+            </a:prstGeom>
+            <a:solidFill>
+              <a:schemeClr val="bg1"/>
+            </a:solidFill>
+            <a:ln>
+              <a:solidFill>
+                <a:schemeClr val="tx1"/>
+              </a:solidFill>
+            </a:ln>
+          </p:spPr>
+          <p:style>
+            <a:lnRef idx="2">
+              <a:schemeClr val="accent1">
+                <a:shade val="50000"/>
+              </a:schemeClr>
+            </a:lnRef>
+            <a:fillRef idx="1">
+              <a:schemeClr val="accent1"/>
+            </a:fillRef>
+            <a:effectRef idx="0">
+              <a:schemeClr val="accent1"/>
+            </a:effectRef>
+            <a:fontRef idx="minor">
+              <a:schemeClr val="lt1"/>
+            </a:fontRef>
+          </p:style>
+          <p:txBody>
+            <a:bodyPr rtlCol="0" anchor="ctr"/>
+            <a:lstStyle/>
+            <a:p>
+              <a:pPr algn="ctr"/>
+              <a:endParaRPr lang="en-US" dirty="0"/>
+            </a:p>
+          </p:txBody>
+        </p:sp>
+        <p:sp>
+          <p:nvSpPr>
+            <p:cNvPr id="42" name="Isosceles Triangle 41">
+              <a:extLst>
+                <a:ext uri="{FF2B5EF4-FFF2-40B4-BE49-F238E27FC236}">
+                  <a16:creationId xmlns:a16="http://schemas.microsoft.com/office/drawing/2014/main" id="{C369C27C-E61A-4AD0-8CF3-64D02F49D34B}"/>
+                </a:ext>
+              </a:extLst>
+            </p:cNvPr>
+            <p:cNvSpPr/>
+            <p:nvPr/>
+          </p:nvSpPr>
+          <p:spPr>
+            <a:xfrm>
+              <a:off x="10314369" y="5658345"/>
+              <a:ext cx="84455" cy="159690"/>
+            </a:xfrm>
+            <a:prstGeom prst="triangle">
+              <a:avLst/>
+            </a:prstGeom>
+            <a:solidFill>
+              <a:srgbClr val="FF6969"/>
+            </a:solidFill>
+            <a:ln>
+              <a:noFill/>
+            </a:ln>
+          </p:spPr>
+          <p:style>
+            <a:lnRef idx="2">
+              <a:schemeClr val="accent1">
+                <a:shade val="50000"/>
+              </a:schemeClr>
+            </a:lnRef>
+            <a:fillRef idx="1">
+              <a:schemeClr val="accent1"/>
+            </a:fillRef>
+            <a:effectRef idx="0">
+              <a:schemeClr val="accent1"/>
+            </a:effectRef>
+            <a:fontRef idx="minor">
+              <a:schemeClr val="lt1"/>
+            </a:fontRef>
+          </p:style>
+          <p:txBody>
+            <a:bodyPr rtlCol="0" anchor="ctr"/>
+            <a:lstStyle/>
+            <a:p>
+              <a:pPr algn="ctr"/>
+              <a:endParaRPr lang="en-US"/>
+            </a:p>
+          </p:txBody>
+        </p:sp>
+      </p:grpSp>
+      <p:sp>
+        <p:nvSpPr>
+          <p:cNvPr id="43" name="Frame 42">
+            <a:extLst>
+              <a:ext uri="{FF2B5EF4-FFF2-40B4-BE49-F238E27FC236}">
+                <a16:creationId xmlns:a16="http://schemas.microsoft.com/office/drawing/2014/main" id="{66B7EEC8-41A4-419E-8396-AD92C84F1821}"/>
+              </a:ext>
+            </a:extLst>
+          </p:cNvPr>
+          <p:cNvSpPr>
+            <a:spLocks noChangeAspect="1"/>
+          </p:cNvSpPr>
+          <p:nvPr/>
+        </p:nvSpPr>
+        <p:spPr>
+          <a:xfrm>
+            <a:off x="4749800" y="533400"/>
+            <a:ext cx="5271252" cy="9239250"/>
+          </a:xfrm>
+          <a:prstGeom prst="frame">
+            <a:avLst>
+              <a:gd name="adj1" fmla="val 14440"/>
+            </a:avLst>
+          </a:prstGeom>
+          <a:solidFill>
+            <a:schemeClr val="bg1">
+              <a:lumMod val="50000"/>
+            </a:schemeClr>
+          </a:solidFill>
+          <a:ln>
+            <a:noFill/>
+          </a:ln>
+        </p:spPr>
+        <p:style>
+          <a:lnRef idx="2">
+            <a:schemeClr val="accent1">
+              <a:shade val="50000"/>
+            </a:schemeClr>
+          </a:lnRef>
+          <a:fillRef idx="1">
+            <a:schemeClr val="accent1"/>
+          </a:fillRef>
+          <a:effectRef idx="0">
+            <a:schemeClr val="accent1"/>
+          </a:effectRef>
+          <a:fontRef idx="minor">
+            <a:schemeClr val="lt1"/>
+          </a:fontRef>
+        </p:style>
+        <p:txBody>
+          <a:bodyPr rtlCol="0" anchor="ctr"/>
+          <a:lstStyle/>
+          <a:p>
+            <a:pPr algn="ctr"/>
+            <a:endParaRPr lang="en-US">
+              <a:solidFill>
+                <a:schemeClr val="tx1"/>
+              </a:solidFill>
+            </a:endParaRPr>
+          </a:p>
+        </p:txBody>
+      </p:sp>
+      <p:grpSp>
+        <p:nvGrpSpPr>
+          <p:cNvPr id="26" name="Group 25">
+            <a:extLst>
+              <a:ext uri="{FF2B5EF4-FFF2-40B4-BE49-F238E27FC236}">
+                <a16:creationId xmlns:a16="http://schemas.microsoft.com/office/drawing/2014/main" id="{1E7CEBF0-253A-4A5D-A01B-36BFABC689F7}"/>
+              </a:ext>
+            </a:extLst>
+          </p:cNvPr>
+          <p:cNvGrpSpPr>
+            <a:grpSpLocks noChangeAspect="1"/>
+          </p:cNvGrpSpPr>
+          <p:nvPr/>
+        </p:nvGrpSpPr>
+        <p:grpSpPr>
+          <a:xfrm>
+            <a:off x="5297883" y="1117189"/>
+            <a:ext cx="4184663" cy="8101584"/>
+            <a:chOff x="1264447" y="1411033"/>
+            <a:chExt cx="2093906" cy="4053840"/>
+          </a:xfrm>
+        </p:grpSpPr>
+        <p:sp>
+          <p:nvSpPr>
+            <p:cNvPr id="27" name="Rectangle 26">
+              <a:extLst>
+                <a:ext uri="{FF2B5EF4-FFF2-40B4-BE49-F238E27FC236}">
+                  <a16:creationId xmlns:a16="http://schemas.microsoft.com/office/drawing/2014/main" id="{30C55BB7-0BCC-456A-8936-24ABFEE52F4A}"/>
+                </a:ext>
+              </a:extLst>
+            </p:cNvPr>
+            <p:cNvSpPr/>
+            <p:nvPr/>
+          </p:nvSpPr>
+          <p:spPr>
+            <a:xfrm>
+              <a:off x="1371600" y="1498600"/>
+              <a:ext cx="1879600" cy="3860800"/>
+            </a:xfrm>
+            <a:prstGeom prst="rect">
+              <a:avLst/>
+            </a:prstGeom>
+            <a:noFill/>
+            <a:ln>
+              <a:solidFill>
+                <a:schemeClr val="tx1"/>
+              </a:solidFill>
+            </a:ln>
+          </p:spPr>
+          <p:style>
+            <a:lnRef idx="2">
+              <a:schemeClr val="accent1">
+                <a:shade val="50000"/>
+              </a:schemeClr>
+            </a:lnRef>
+            <a:fillRef idx="1">
+              <a:schemeClr val="accent1"/>
+            </a:fillRef>
+            <a:effectRef idx="0">
+              <a:schemeClr val="accent1"/>
+            </a:effectRef>
+            <a:fontRef idx="minor">
+              <a:schemeClr val="lt1"/>
+            </a:fontRef>
+          </p:style>
+          <p:txBody>
+            <a:bodyPr rot="0" spcFirstLastPara="0" vertOverflow="overflow" horzOverflow="overflow" vert="horz" wrap="square" lIns="91440" tIns="45720" rIns="91440" bIns="45720" numCol="1" spcCol="0" rtlCol="0" fromWordArt="0" anchor="ctr" anchorCtr="0" forceAA="0" compatLnSpc="1">
+              <a:prstTxWarp prst="textNoShape">
+                <a:avLst/>
+              </a:prstTxWarp>
+              <a:noAutofit/>
+            </a:bodyPr>
+            <a:lstStyle/>
+            <a:p>
+              <a:pPr algn="ctr"/>
+              <a:endParaRPr lang="en-US"/>
+            </a:p>
+          </p:txBody>
+        </p:sp>
+        <p:sp>
+          <p:nvSpPr>
+            <p:cNvPr id="28" name="Rectangle: Rounded Corners 27">
+              <a:extLst>
+                <a:ext uri="{FF2B5EF4-FFF2-40B4-BE49-F238E27FC236}">
+                  <a16:creationId xmlns:a16="http://schemas.microsoft.com/office/drawing/2014/main" id="{1ADE421C-367D-46FF-B471-10D6610BB2EA}"/>
+                </a:ext>
+              </a:extLst>
+            </p:cNvPr>
+            <p:cNvSpPr/>
+            <p:nvPr/>
+          </p:nvSpPr>
+          <p:spPr>
+            <a:xfrm>
+              <a:off x="1264447" y="1411033"/>
+              <a:ext cx="2093906" cy="4053840"/>
+            </a:xfrm>
+            <a:prstGeom prst="roundRect">
+              <a:avLst>
+                <a:gd name="adj" fmla="val 6741"/>
+              </a:avLst>
+            </a:prstGeom>
+            <a:noFill/>
+            <a:ln>
+              <a:solidFill>
+                <a:schemeClr val="tx1"/>
+              </a:solidFill>
+            </a:ln>
+          </p:spPr>
+          <p:style>
+            <a:lnRef idx="2">
+              <a:schemeClr val="accent1">
+                <a:shade val="50000"/>
+              </a:schemeClr>
+            </a:lnRef>
+            <a:fillRef idx="1">
+              <a:schemeClr val="accent1"/>
+            </a:fillRef>
+            <a:effectRef idx="0">
+              <a:schemeClr val="accent1"/>
+            </a:effectRef>
+            <a:fontRef idx="minor">
+              <a:schemeClr val="lt1"/>
+            </a:fontRef>
+          </p:style>
+          <p:txBody>
+            <a:bodyPr rot="0" spcFirstLastPara="0" vertOverflow="overflow" horzOverflow="overflow" vert="horz" wrap="square" lIns="91440" tIns="45720" rIns="91440" bIns="45720" numCol="1" spcCol="0" rtlCol="0" fromWordArt="0" anchor="ctr" anchorCtr="0" forceAA="0" compatLnSpc="1">
+              <a:prstTxWarp prst="textNoShape">
+                <a:avLst/>
+              </a:prstTxWarp>
+              <a:noAutofit/>
+            </a:bodyPr>
+            <a:lstStyle/>
+            <a:p>
+              <a:pPr algn="ctr"/>
+              <a:endParaRPr lang="en-US"/>
+            </a:p>
+          </p:txBody>
+        </p:sp>
+      </p:grpSp>
+      <p:grpSp>
+        <p:nvGrpSpPr>
+          <p:cNvPr id="16" name="Group 15"/>
+          <p:cNvGrpSpPr/>
+          <p:nvPr/>
+        </p:nvGrpSpPr>
+        <p:grpSpPr>
+          <a:xfrm>
+            <a:off x="7221400" y="6148425"/>
+            <a:ext cx="1371600" cy="1371600"/>
+            <a:chOff x="2254272" y="4257930"/>
+            <a:chExt cx="1371600" cy="1371600"/>
+          </a:xfrm>
+        </p:grpSpPr>
+        <p:sp>
+          <p:nvSpPr>
+            <p:cNvPr id="17" name="Oval 16">
+              <a:extLst>
+                <a:ext uri="{FF2B5EF4-FFF2-40B4-BE49-F238E27FC236}">
+                  <a16:creationId xmlns:a16="http://schemas.microsoft.com/office/drawing/2014/main" id="{D5A2137A-7F4E-46D9-BC24-561646AC6D39}"/>
+                </a:ext>
+              </a:extLst>
+            </p:cNvPr>
+            <p:cNvSpPr/>
+            <p:nvPr/>
+          </p:nvSpPr>
+          <p:spPr>
+            <a:xfrm>
+              <a:off x="2482872" y="4486530"/>
+              <a:ext cx="914400" cy="914400"/>
+            </a:xfrm>
+            <a:prstGeom prst="ellipse">
+              <a:avLst/>
+            </a:prstGeom>
+            <a:noFill/>
+            <a:ln w="38100">
+              <a:solidFill>
+                <a:schemeClr val="accent4">
+                  <a:lumMod val="40000"/>
+                  <a:lumOff val="60000"/>
+                </a:schemeClr>
+              </a:solidFill>
+            </a:ln>
+          </p:spPr>
+          <p:style>
+            <a:lnRef idx="2">
+              <a:schemeClr val="accent1">
+                <a:shade val="50000"/>
+              </a:schemeClr>
+            </a:lnRef>
+            <a:fillRef idx="1">
+              <a:schemeClr val="accent1"/>
+            </a:fillRef>
+            <a:effectRef idx="0">
+              <a:schemeClr val="accent1"/>
+            </a:effectRef>
+            <a:fontRef idx="minor">
+              <a:schemeClr val="lt1"/>
+            </a:fontRef>
+          </p:style>
+          <p:txBody>
+            <a:bodyPr rtlCol="0" anchor="ctr"/>
+            <a:lstStyle/>
+            <a:p>
+              <a:pPr algn="ctr"/>
+              <a:endParaRPr lang="en-US"/>
+            </a:p>
+          </p:txBody>
+        </p:sp>
+        <p:sp>
+          <p:nvSpPr>
+            <p:cNvPr id="18" name="Oval 17">
+              <a:extLst>
+                <a:ext uri="{FF2B5EF4-FFF2-40B4-BE49-F238E27FC236}">
+                  <a16:creationId xmlns:a16="http://schemas.microsoft.com/office/drawing/2014/main" id="{B7424242-DF50-40FD-95C8-1E3ADB6BA062}"/>
+                </a:ext>
+              </a:extLst>
+            </p:cNvPr>
+            <p:cNvSpPr>
+              <a:spLocks noChangeAspect="1"/>
+            </p:cNvSpPr>
+            <p:nvPr/>
+          </p:nvSpPr>
+          <p:spPr>
+            <a:xfrm>
+              <a:off x="2391432" y="4395090"/>
+              <a:ext cx="1097280" cy="1097280"/>
+            </a:xfrm>
+            <a:prstGeom prst="ellipse">
+              <a:avLst/>
+            </a:prstGeom>
+            <a:noFill/>
+            <a:ln w="38100">
+              <a:solidFill>
+                <a:schemeClr val="accent4">
+                  <a:lumMod val="60000"/>
+                  <a:lumOff val="40000"/>
+                </a:schemeClr>
+              </a:solidFill>
+            </a:ln>
+          </p:spPr>
+          <p:style>
+            <a:lnRef idx="2">
+              <a:schemeClr val="accent1">
+                <a:shade val="50000"/>
+              </a:schemeClr>
+            </a:lnRef>
+            <a:fillRef idx="1">
+              <a:schemeClr val="accent1"/>
+            </a:fillRef>
+            <a:effectRef idx="0">
+              <a:schemeClr val="accent1"/>
+            </a:effectRef>
+            <a:fontRef idx="minor">
+              <a:schemeClr val="lt1"/>
+            </a:fontRef>
+          </p:style>
+          <p:txBody>
+            <a:bodyPr rtlCol="0" anchor="ctr"/>
+            <a:lstStyle/>
+            <a:p>
+              <a:pPr algn="ctr"/>
+              <a:endParaRPr lang="en-US"/>
+            </a:p>
+          </p:txBody>
+        </p:sp>
+        <p:sp>
+          <p:nvSpPr>
+            <p:cNvPr id="19" name="Oval 18">
+              <a:extLst>
+                <a:ext uri="{FF2B5EF4-FFF2-40B4-BE49-F238E27FC236}">
+                  <a16:creationId xmlns:a16="http://schemas.microsoft.com/office/drawing/2014/main" id="{D6191D2B-EB79-4EFC-B925-29EF33413AAC}"/>
+                </a:ext>
+              </a:extLst>
+            </p:cNvPr>
+            <p:cNvSpPr>
+              <a:spLocks noChangeAspect="1"/>
+            </p:cNvSpPr>
+            <p:nvPr/>
+          </p:nvSpPr>
+          <p:spPr>
+            <a:xfrm>
+              <a:off x="2254272" y="4257930"/>
+              <a:ext cx="1371600" cy="1371600"/>
+            </a:xfrm>
+            <a:prstGeom prst="ellipse">
+              <a:avLst/>
+            </a:prstGeom>
+            <a:noFill/>
+            <a:ln w="38100">
+              <a:solidFill>
+                <a:schemeClr val="accent4">
+                  <a:lumMod val="75000"/>
+                </a:schemeClr>
+              </a:solidFill>
+            </a:ln>
+          </p:spPr>
+          <p:style>
+            <a:lnRef idx="2">
+              <a:schemeClr val="accent1">
+                <a:shade val="50000"/>
+              </a:schemeClr>
+            </a:lnRef>
+            <a:fillRef idx="1">
+              <a:schemeClr val="accent1"/>
+            </a:fillRef>
+            <a:effectRef idx="0">
+              <a:schemeClr val="accent1"/>
+            </a:effectRef>
+            <a:fontRef idx="minor">
+              <a:schemeClr val="lt1"/>
+            </a:fontRef>
+          </p:style>
+          <p:txBody>
+            <a:bodyPr rtlCol="0" anchor="ctr"/>
+            <a:lstStyle/>
+            <a:p>
+              <a:pPr algn="ctr"/>
+              <a:endParaRPr lang="en-US"/>
+            </a:p>
+          </p:txBody>
+        </p:sp>
+      </p:grpSp>
+    </p:spTree>
+    <p:extLst>
+      <p:ext uri="{BB962C8B-B14F-4D97-AF65-F5344CB8AC3E}">
+        <p14:creationId xmlns:p14="http://schemas.microsoft.com/office/powerpoint/2010/main" val="2312368392"/>
+      </p:ext>
+    </p:extLst>
+  </p:cSld>
+  <p:clrMapOvr>
+    <a:masterClrMapping/>
+  </p:clrMapOvr>
+</p:sld>
+</file>
+
+<file path=ppt/slides/slide5.xml><?xml version="1.0" encoding="utf-8"?>
+<p:sld xmlns:a="http://schemas.openxmlformats.org/drawingml/2006/main" xmlns:r="http://schemas.openxmlformats.org/officeDocument/2006/relationships" xmlns:p="http://schemas.openxmlformats.org/presentationml/2006/main">
+  <p:cSld>
+    <p:spTree>
+      <p:nvGrpSpPr>
+        <p:cNvPr id="1" name=""/>
+        <p:cNvGrpSpPr/>
+        <p:nvPr/>
+      </p:nvGrpSpPr>
+      <p:grpSpPr>
+        <a:xfrm>
+          <a:off x="0" y="0"/>
+          <a:ext cx="0" cy="0"/>
+          <a:chOff x="0" y="0"/>
+          <a:chExt cx="0" cy="0"/>
+        </a:xfrm>
+      </p:grpSpPr>
+      <p:pic>
+        <p:nvPicPr>
+          <p:cNvPr id="25" name="Picture 24">
+            <a:extLst>
+              <a:ext uri="{FF2B5EF4-FFF2-40B4-BE49-F238E27FC236}">
+                <a16:creationId xmlns:a16="http://schemas.microsoft.com/office/drawing/2014/main" id="{396F49DD-AC01-447B-93CA-8ED95949649D}"/>
+              </a:ext>
+            </a:extLst>
+          </p:cNvPr>
+          <p:cNvPicPr>
+            <a:picLocks noChangeAspect="1"/>
+          </p:cNvPicPr>
+          <p:nvPr/>
+        </p:nvPicPr>
+        <p:blipFill rotWithShape="1">
+          <a:blip r:embed="rId2">
+            <a:extLst>
+              <a:ext uri="{28A0092B-C50C-407E-A947-70E740481C1C}">
+                <a14:useLocalDpi xmlns:a14="http://schemas.microsoft.com/office/drawing/2010/main" val="0"/>
+              </a:ext>
+            </a:extLst>
+          </a:blip>
+          <a:srcRect l="5083" t="48209" r="836" b="2604"/>
+          <a:stretch/>
+        </p:blipFill>
+        <p:spPr>
+          <a:xfrm rot="19659063">
+            <a:off x="-6974466" y="-3779822"/>
+            <a:ext cx="28391731" cy="22941248"/>
+          </a:xfrm>
+          <a:prstGeom prst="rect">
+            <a:avLst/>
+          </a:prstGeom>
+        </p:spPr>
+      </p:pic>
+      <p:grpSp>
+        <p:nvGrpSpPr>
+          <p:cNvPr id="7" name="Group 6"/>
+          <p:cNvGrpSpPr/>
+          <p:nvPr/>
+        </p:nvGrpSpPr>
+        <p:grpSpPr>
+          <a:xfrm rot="19680000">
+            <a:off x="5823869" y="160638"/>
+            <a:ext cx="3010931" cy="10270524"/>
+            <a:chOff x="5823869" y="160638"/>
+            <a:chExt cx="3010931" cy="10270524"/>
+          </a:xfrm>
+        </p:grpSpPr>
+        <p:cxnSp>
+          <p:nvCxnSpPr>
+            <p:cNvPr id="6" name="Straight Connector 5"/>
+            <p:cNvCxnSpPr/>
+            <p:nvPr/>
+          </p:nvCxnSpPr>
+          <p:spPr>
+            <a:xfrm>
+              <a:off x="8834800" y="160638"/>
+              <a:ext cx="0" cy="9897762"/>
+            </a:xfrm>
+            <a:prstGeom prst="line">
+              <a:avLst/>
+            </a:prstGeom>
+            <a:ln w="28575">
+              <a:solidFill>
+                <a:srgbClr val="0070C0"/>
+              </a:solidFill>
+            </a:ln>
+          </p:spPr>
+          <p:style>
+            <a:lnRef idx="1">
+              <a:schemeClr val="accent1"/>
+            </a:lnRef>
+            <a:fillRef idx="0">
+              <a:schemeClr val="accent1"/>
+            </a:fillRef>
+            <a:effectRef idx="0">
+              <a:schemeClr val="accent1"/>
+            </a:effectRef>
+            <a:fontRef idx="minor">
+              <a:schemeClr val="tx1"/>
+            </a:fontRef>
+          </p:style>
+        </p:cxnSp>
+        <p:cxnSp>
+          <p:nvCxnSpPr>
+            <p:cNvPr id="60" name="Straight Connector 59"/>
+            <p:cNvCxnSpPr/>
+            <p:nvPr/>
+          </p:nvCxnSpPr>
+          <p:spPr>
+            <a:xfrm>
+              <a:off x="5823869" y="533400"/>
+              <a:ext cx="0" cy="9897762"/>
+            </a:xfrm>
+            <a:prstGeom prst="line">
+              <a:avLst/>
+            </a:prstGeom>
+            <a:ln w="28575">
+              <a:solidFill>
+                <a:srgbClr val="0070C0"/>
+              </a:solidFill>
+            </a:ln>
+          </p:spPr>
+          <p:style>
+            <a:lnRef idx="1">
+              <a:schemeClr val="accent1"/>
+            </a:lnRef>
+            <a:fillRef idx="0">
+              <a:schemeClr val="accent1"/>
+            </a:fillRef>
+            <a:effectRef idx="0">
+              <a:schemeClr val="accent1"/>
+            </a:effectRef>
+            <a:fontRef idx="minor">
+              <a:schemeClr val="tx1"/>
+            </a:fontRef>
+          </p:style>
+        </p:cxnSp>
+      </p:grpSp>
+      <p:grpSp>
+        <p:nvGrpSpPr>
+          <p:cNvPr id="39" name="Group 38">
+            <a:extLst>
+              <a:ext uri="{FF2B5EF4-FFF2-40B4-BE49-F238E27FC236}">
+                <a16:creationId xmlns:a16="http://schemas.microsoft.com/office/drawing/2014/main" id="{54E3C276-1D5F-4C90-A2F5-4FD6E4D1122D}"/>
+              </a:ext>
+            </a:extLst>
+          </p:cNvPr>
+          <p:cNvGrpSpPr>
+            <a:grpSpLocks noChangeAspect="1"/>
+          </p:cNvGrpSpPr>
+          <p:nvPr/>
+        </p:nvGrpSpPr>
+        <p:grpSpPr>
+          <a:xfrm rot="19680000">
+            <a:off x="8487469" y="8201254"/>
+            <a:ext cx="694944" cy="694944"/>
+            <a:chOff x="10164572" y="5626011"/>
+            <a:chExt cx="384048" cy="384048"/>
+          </a:xfrm>
+        </p:grpSpPr>
+        <p:sp>
+          <p:nvSpPr>
+            <p:cNvPr id="40" name="Oval 39">
+              <a:extLst>
+                <a:ext uri="{FF2B5EF4-FFF2-40B4-BE49-F238E27FC236}">
+                  <a16:creationId xmlns:a16="http://schemas.microsoft.com/office/drawing/2014/main" id="{5AF44FBC-7FEF-4888-9EB8-F29F025E66BD}"/>
+                </a:ext>
+              </a:extLst>
+            </p:cNvPr>
+            <p:cNvSpPr>
+              <a:spLocks noChangeAspect="1"/>
+            </p:cNvSpPr>
+            <p:nvPr/>
+          </p:nvSpPr>
+          <p:spPr>
+            <a:xfrm>
+              <a:off x="10164572" y="5626011"/>
+              <a:ext cx="384048" cy="384048"/>
+            </a:xfrm>
+            <a:prstGeom prst="ellipse">
+              <a:avLst/>
+            </a:prstGeom>
+          </p:spPr>
+          <p:style>
+            <a:lnRef idx="2">
+              <a:schemeClr val="accent3">
+                <a:shade val="50000"/>
+              </a:schemeClr>
+            </a:lnRef>
+            <a:fillRef idx="1">
+              <a:schemeClr val="accent3"/>
+            </a:fillRef>
+            <a:effectRef idx="0">
+              <a:schemeClr val="accent3"/>
+            </a:effectRef>
+            <a:fontRef idx="minor">
+              <a:schemeClr val="lt1"/>
+            </a:fontRef>
+          </p:style>
+          <p:txBody>
+            <a:bodyPr rtlCol="0" anchor="ctr"/>
+            <a:lstStyle/>
+            <a:p>
+              <a:pPr algn="ctr"/>
+              <a:endParaRPr lang="en-US" dirty="0"/>
+            </a:p>
+          </p:txBody>
+        </p:sp>
+        <p:sp>
+          <p:nvSpPr>
+            <p:cNvPr id="41" name="Flowchart: Sort 40">
+              <a:extLst>
+                <a:ext uri="{FF2B5EF4-FFF2-40B4-BE49-F238E27FC236}">
+                  <a16:creationId xmlns:a16="http://schemas.microsoft.com/office/drawing/2014/main" id="{A3765348-44B6-4E19-AEB8-CFC6A44D4123}"/>
+                </a:ext>
+              </a:extLst>
+            </p:cNvPr>
+            <p:cNvSpPr/>
+            <p:nvPr/>
+          </p:nvSpPr>
+          <p:spPr>
+            <a:xfrm>
+              <a:off x="10314369" y="5656053"/>
+              <a:ext cx="84455" cy="325252"/>
+            </a:xfrm>
+            <a:prstGeom prst="flowChartSort">
+              <a:avLst/>
+            </a:prstGeom>
+            <a:solidFill>
+              <a:schemeClr val="bg1"/>
+            </a:solidFill>
+            <a:ln>
+              <a:solidFill>
+                <a:schemeClr val="tx1"/>
+              </a:solidFill>
+            </a:ln>
+          </p:spPr>
+          <p:style>
+            <a:lnRef idx="2">
+              <a:schemeClr val="accent1">
+                <a:shade val="50000"/>
+              </a:schemeClr>
+            </a:lnRef>
+            <a:fillRef idx="1">
+              <a:schemeClr val="accent1"/>
+            </a:fillRef>
+            <a:effectRef idx="0">
+              <a:schemeClr val="accent1"/>
+            </a:effectRef>
+            <a:fontRef idx="minor">
+              <a:schemeClr val="lt1"/>
+            </a:fontRef>
+          </p:style>
+          <p:txBody>
+            <a:bodyPr rtlCol="0" anchor="ctr"/>
+            <a:lstStyle/>
+            <a:p>
+              <a:pPr algn="ctr"/>
+              <a:endParaRPr lang="en-US" dirty="0"/>
+            </a:p>
+          </p:txBody>
+        </p:sp>
+        <p:sp>
+          <p:nvSpPr>
+            <p:cNvPr id="42" name="Isosceles Triangle 41">
+              <a:extLst>
+                <a:ext uri="{FF2B5EF4-FFF2-40B4-BE49-F238E27FC236}">
+                  <a16:creationId xmlns:a16="http://schemas.microsoft.com/office/drawing/2014/main" id="{C369C27C-E61A-4AD0-8CF3-64D02F49D34B}"/>
+                </a:ext>
+              </a:extLst>
+            </p:cNvPr>
+            <p:cNvSpPr/>
+            <p:nvPr/>
+          </p:nvSpPr>
+          <p:spPr>
+            <a:xfrm>
+              <a:off x="10314369" y="5658345"/>
+              <a:ext cx="84455" cy="159690"/>
+            </a:xfrm>
+            <a:prstGeom prst="triangle">
+              <a:avLst/>
+            </a:prstGeom>
+            <a:solidFill>
+              <a:srgbClr val="FF6969"/>
+            </a:solidFill>
+            <a:ln>
+              <a:noFill/>
+            </a:ln>
+          </p:spPr>
+          <p:style>
+            <a:lnRef idx="2">
+              <a:schemeClr val="accent1">
+                <a:shade val="50000"/>
+              </a:schemeClr>
+            </a:lnRef>
+            <a:fillRef idx="1">
+              <a:schemeClr val="accent1"/>
+            </a:fillRef>
+            <a:effectRef idx="0">
+              <a:schemeClr val="accent1"/>
+            </a:effectRef>
+            <a:fontRef idx="minor">
+              <a:schemeClr val="lt1"/>
+            </a:fontRef>
+          </p:style>
+          <p:txBody>
+            <a:bodyPr rtlCol="0" anchor="ctr"/>
+            <a:lstStyle/>
+            <a:p>
+              <a:pPr algn="ctr"/>
+              <a:endParaRPr lang="en-US"/>
+            </a:p>
+          </p:txBody>
+        </p:sp>
+      </p:grpSp>
+      <p:sp>
+        <p:nvSpPr>
+          <p:cNvPr id="43" name="Frame 42">
+            <a:extLst>
+              <a:ext uri="{FF2B5EF4-FFF2-40B4-BE49-F238E27FC236}">
+                <a16:creationId xmlns:a16="http://schemas.microsoft.com/office/drawing/2014/main" id="{66B7EEC8-41A4-419E-8396-AD92C84F1821}"/>
+              </a:ext>
+            </a:extLst>
+          </p:cNvPr>
+          <p:cNvSpPr>
+            <a:spLocks noChangeAspect="1"/>
+          </p:cNvSpPr>
+          <p:nvPr/>
+        </p:nvSpPr>
+        <p:spPr>
+          <a:xfrm>
+            <a:off x="4749800" y="533400"/>
+            <a:ext cx="5271252" cy="9239250"/>
+          </a:xfrm>
+          <a:prstGeom prst="frame">
+            <a:avLst>
+              <a:gd name="adj1" fmla="val 14440"/>
+            </a:avLst>
+          </a:prstGeom>
+          <a:solidFill>
+            <a:schemeClr val="bg1">
+              <a:lumMod val="50000"/>
+            </a:schemeClr>
+          </a:solidFill>
+          <a:ln>
+            <a:noFill/>
+          </a:ln>
+        </p:spPr>
+        <p:style>
+          <a:lnRef idx="2">
+            <a:schemeClr val="accent1">
+              <a:shade val="50000"/>
+            </a:schemeClr>
+          </a:lnRef>
+          <a:fillRef idx="1">
+            <a:schemeClr val="accent1"/>
+          </a:fillRef>
+          <a:effectRef idx="0">
+            <a:schemeClr val="accent1"/>
+          </a:effectRef>
+          <a:fontRef idx="minor">
+            <a:schemeClr val="lt1"/>
+          </a:fontRef>
+        </p:style>
+        <p:txBody>
+          <a:bodyPr rtlCol="0" anchor="ctr"/>
+          <a:lstStyle/>
+          <a:p>
+            <a:pPr algn="ctr"/>
+            <a:endParaRPr lang="en-US">
+              <a:solidFill>
+                <a:schemeClr val="tx1"/>
+              </a:solidFill>
+            </a:endParaRPr>
+          </a:p>
+        </p:txBody>
+      </p:sp>
+      <p:grpSp>
+        <p:nvGrpSpPr>
+          <p:cNvPr id="26" name="Group 25">
+            <a:extLst>
+              <a:ext uri="{FF2B5EF4-FFF2-40B4-BE49-F238E27FC236}">
+                <a16:creationId xmlns:a16="http://schemas.microsoft.com/office/drawing/2014/main" id="{1E7CEBF0-253A-4A5D-A01B-36BFABC689F7}"/>
+              </a:ext>
+            </a:extLst>
+          </p:cNvPr>
+          <p:cNvGrpSpPr>
+            <a:grpSpLocks noChangeAspect="1"/>
+          </p:cNvGrpSpPr>
+          <p:nvPr/>
+        </p:nvGrpSpPr>
+        <p:grpSpPr>
+          <a:xfrm>
+            <a:off x="5297883" y="1117189"/>
+            <a:ext cx="4184663" cy="8101584"/>
+            <a:chOff x="1264447" y="1411033"/>
+            <a:chExt cx="2093906" cy="4053840"/>
+          </a:xfrm>
+        </p:grpSpPr>
+        <p:sp>
+          <p:nvSpPr>
+            <p:cNvPr id="27" name="Rectangle 26">
+              <a:extLst>
+                <a:ext uri="{FF2B5EF4-FFF2-40B4-BE49-F238E27FC236}">
+                  <a16:creationId xmlns:a16="http://schemas.microsoft.com/office/drawing/2014/main" id="{30C55BB7-0BCC-456A-8936-24ABFEE52F4A}"/>
+                </a:ext>
+              </a:extLst>
+            </p:cNvPr>
+            <p:cNvSpPr/>
+            <p:nvPr/>
+          </p:nvSpPr>
+          <p:spPr>
+            <a:xfrm>
+              <a:off x="1371600" y="1498600"/>
+              <a:ext cx="1879600" cy="3860800"/>
+            </a:xfrm>
+            <a:prstGeom prst="rect">
+              <a:avLst/>
+            </a:prstGeom>
+            <a:noFill/>
+            <a:ln>
+              <a:solidFill>
+                <a:schemeClr val="tx1"/>
+              </a:solidFill>
+            </a:ln>
+          </p:spPr>
+          <p:style>
+            <a:lnRef idx="2">
+              <a:schemeClr val="accent1">
+                <a:shade val="50000"/>
+              </a:schemeClr>
+            </a:lnRef>
+            <a:fillRef idx="1">
+              <a:schemeClr val="accent1"/>
+            </a:fillRef>
+            <a:effectRef idx="0">
+              <a:schemeClr val="accent1"/>
+            </a:effectRef>
+            <a:fontRef idx="minor">
+              <a:schemeClr val="lt1"/>
+            </a:fontRef>
+          </p:style>
+          <p:txBody>
+            <a:bodyPr rot="0" spcFirstLastPara="0" vertOverflow="overflow" horzOverflow="overflow" vert="horz" wrap="square" lIns="91440" tIns="45720" rIns="91440" bIns="45720" numCol="1" spcCol="0" rtlCol="0" fromWordArt="0" anchor="ctr" anchorCtr="0" forceAA="0" compatLnSpc="1">
+              <a:prstTxWarp prst="textNoShape">
+                <a:avLst/>
+              </a:prstTxWarp>
+              <a:noAutofit/>
+            </a:bodyPr>
+            <a:lstStyle/>
+            <a:p>
+              <a:pPr algn="ctr"/>
+              <a:endParaRPr lang="en-US"/>
+            </a:p>
+          </p:txBody>
+        </p:sp>
+        <p:sp>
+          <p:nvSpPr>
+            <p:cNvPr id="28" name="Rectangle: Rounded Corners 27">
+              <a:extLst>
+                <a:ext uri="{FF2B5EF4-FFF2-40B4-BE49-F238E27FC236}">
+                  <a16:creationId xmlns:a16="http://schemas.microsoft.com/office/drawing/2014/main" id="{1ADE421C-367D-46FF-B471-10D6610BB2EA}"/>
+                </a:ext>
+              </a:extLst>
+            </p:cNvPr>
+            <p:cNvSpPr/>
+            <p:nvPr/>
+          </p:nvSpPr>
+          <p:spPr>
+            <a:xfrm>
+              <a:off x="1264447" y="1411033"/>
+              <a:ext cx="2093906" cy="4053840"/>
+            </a:xfrm>
+            <a:prstGeom prst="roundRect">
+              <a:avLst>
+                <a:gd name="adj" fmla="val 6741"/>
+              </a:avLst>
+            </a:prstGeom>
+            <a:noFill/>
+            <a:ln>
+              <a:solidFill>
+                <a:schemeClr val="tx1"/>
+              </a:solidFill>
+            </a:ln>
+          </p:spPr>
+          <p:style>
+            <a:lnRef idx="2">
+              <a:schemeClr val="accent1">
+                <a:shade val="50000"/>
+              </a:schemeClr>
+            </a:lnRef>
+            <a:fillRef idx="1">
+              <a:schemeClr val="accent1"/>
+            </a:fillRef>
+            <a:effectRef idx="0">
+              <a:schemeClr val="accent1"/>
+            </a:effectRef>
+            <a:fontRef idx="minor">
+              <a:schemeClr val="lt1"/>
+            </a:fontRef>
+          </p:style>
+          <p:txBody>
+            <a:bodyPr rot="0" spcFirstLastPara="0" vertOverflow="overflow" horzOverflow="overflow" vert="horz" wrap="square" lIns="91440" tIns="45720" rIns="91440" bIns="45720" numCol="1" spcCol="0" rtlCol="0" fromWordArt="0" anchor="ctr" anchorCtr="0" forceAA="0" compatLnSpc="1">
+              <a:prstTxWarp prst="textNoShape">
+                <a:avLst/>
+              </a:prstTxWarp>
+              <a:noAutofit/>
+            </a:bodyPr>
+            <a:lstStyle/>
+            <a:p>
+              <a:pPr algn="ctr"/>
+              <a:endParaRPr lang="en-US"/>
+            </a:p>
+          </p:txBody>
+        </p:sp>
+      </p:grpSp>
+      <p:grpSp>
+        <p:nvGrpSpPr>
+          <p:cNvPr id="16" name="Group 15"/>
+          <p:cNvGrpSpPr/>
+          <p:nvPr/>
+        </p:nvGrpSpPr>
+        <p:grpSpPr>
+          <a:xfrm>
+            <a:off x="7258388" y="2018733"/>
+            <a:ext cx="1371600" cy="1371600"/>
+            <a:chOff x="2254272" y="4257930"/>
+            <a:chExt cx="1371600" cy="1371600"/>
+          </a:xfrm>
+        </p:grpSpPr>
+        <p:sp>
+          <p:nvSpPr>
+            <p:cNvPr id="17" name="Oval 16">
+              <a:extLst>
+                <a:ext uri="{FF2B5EF4-FFF2-40B4-BE49-F238E27FC236}">
+                  <a16:creationId xmlns:a16="http://schemas.microsoft.com/office/drawing/2014/main" id="{D5A2137A-7F4E-46D9-BC24-561646AC6D39}"/>
+                </a:ext>
+              </a:extLst>
+            </p:cNvPr>
+            <p:cNvSpPr/>
+            <p:nvPr/>
+          </p:nvSpPr>
+          <p:spPr>
+            <a:xfrm>
+              <a:off x="2482872" y="4486530"/>
+              <a:ext cx="914400" cy="914400"/>
+            </a:xfrm>
+            <a:prstGeom prst="ellipse">
+              <a:avLst/>
+            </a:prstGeom>
+            <a:noFill/>
+            <a:ln w="38100">
+              <a:solidFill>
+                <a:schemeClr val="accent4">
+                  <a:lumMod val="40000"/>
+                  <a:lumOff val="60000"/>
+                </a:schemeClr>
+              </a:solidFill>
+            </a:ln>
+          </p:spPr>
+          <p:style>
+            <a:lnRef idx="2">
+              <a:schemeClr val="accent1">
+                <a:shade val="50000"/>
+              </a:schemeClr>
+            </a:lnRef>
+            <a:fillRef idx="1">
+              <a:schemeClr val="accent1"/>
+            </a:fillRef>
+            <a:effectRef idx="0">
+              <a:schemeClr val="accent1"/>
+            </a:effectRef>
+            <a:fontRef idx="minor">
+              <a:schemeClr val="lt1"/>
+            </a:fontRef>
+          </p:style>
+          <p:txBody>
+            <a:bodyPr rtlCol="0" anchor="ctr"/>
+            <a:lstStyle/>
+            <a:p>
+              <a:pPr algn="ctr"/>
+              <a:endParaRPr lang="en-US"/>
+            </a:p>
+          </p:txBody>
+        </p:sp>
+        <p:sp>
+          <p:nvSpPr>
+            <p:cNvPr id="18" name="Oval 17">
+              <a:extLst>
+                <a:ext uri="{FF2B5EF4-FFF2-40B4-BE49-F238E27FC236}">
+                  <a16:creationId xmlns:a16="http://schemas.microsoft.com/office/drawing/2014/main" id="{B7424242-DF50-40FD-95C8-1E3ADB6BA062}"/>
+                </a:ext>
+              </a:extLst>
+            </p:cNvPr>
+            <p:cNvSpPr>
+              <a:spLocks noChangeAspect="1"/>
+            </p:cNvSpPr>
+            <p:nvPr/>
+          </p:nvSpPr>
+          <p:spPr>
+            <a:xfrm>
+              <a:off x="2391432" y="4395090"/>
+              <a:ext cx="1097280" cy="1097280"/>
+            </a:xfrm>
+            <a:prstGeom prst="ellipse">
+              <a:avLst/>
+            </a:prstGeom>
+            <a:noFill/>
+            <a:ln w="38100">
+              <a:solidFill>
+                <a:schemeClr val="accent4">
+                  <a:lumMod val="60000"/>
+                  <a:lumOff val="40000"/>
+                </a:schemeClr>
+              </a:solidFill>
+            </a:ln>
+          </p:spPr>
+          <p:style>
+            <a:lnRef idx="2">
+              <a:schemeClr val="accent1">
+                <a:shade val="50000"/>
+              </a:schemeClr>
+            </a:lnRef>
+            <a:fillRef idx="1">
+              <a:schemeClr val="accent1"/>
+            </a:fillRef>
+            <a:effectRef idx="0">
+              <a:schemeClr val="accent1"/>
+            </a:effectRef>
+            <a:fontRef idx="minor">
+              <a:schemeClr val="lt1"/>
+            </a:fontRef>
+          </p:style>
+          <p:txBody>
+            <a:bodyPr rtlCol="0" anchor="ctr"/>
+            <a:lstStyle/>
+            <a:p>
+              <a:pPr algn="ctr"/>
+              <a:endParaRPr lang="en-US"/>
+            </a:p>
+          </p:txBody>
+        </p:sp>
+        <p:sp>
+          <p:nvSpPr>
+            <p:cNvPr id="19" name="Oval 18">
+              <a:extLst>
+                <a:ext uri="{FF2B5EF4-FFF2-40B4-BE49-F238E27FC236}">
+                  <a16:creationId xmlns:a16="http://schemas.microsoft.com/office/drawing/2014/main" id="{D6191D2B-EB79-4EFC-B925-29EF33413AAC}"/>
+                </a:ext>
+              </a:extLst>
+            </p:cNvPr>
+            <p:cNvSpPr>
+              <a:spLocks noChangeAspect="1"/>
+            </p:cNvSpPr>
+            <p:nvPr/>
+          </p:nvSpPr>
+          <p:spPr>
+            <a:xfrm>
+              <a:off x="2254272" y="4257930"/>
+              <a:ext cx="1371600" cy="1371600"/>
+            </a:xfrm>
+            <a:prstGeom prst="ellipse">
+              <a:avLst/>
+            </a:prstGeom>
+            <a:noFill/>
+            <a:ln w="38100">
+              <a:solidFill>
+                <a:schemeClr val="accent4">
+                  <a:lumMod val="75000"/>
+                </a:schemeClr>
+              </a:solidFill>
+            </a:ln>
+          </p:spPr>
+          <p:style>
+            <a:lnRef idx="2">
+              <a:schemeClr val="accent1">
+                <a:shade val="50000"/>
+              </a:schemeClr>
+            </a:lnRef>
+            <a:fillRef idx="1">
+              <a:schemeClr val="accent1"/>
+            </a:fillRef>
+            <a:effectRef idx="0">
+              <a:schemeClr val="accent1"/>
+            </a:effectRef>
+            <a:fontRef idx="minor">
+              <a:schemeClr val="lt1"/>
+            </a:fontRef>
+          </p:style>
+          <p:txBody>
+            <a:bodyPr rtlCol="0" anchor="ctr"/>
+            <a:lstStyle/>
+            <a:p>
+              <a:pPr algn="ctr"/>
+              <a:endParaRPr lang="en-US"/>
+            </a:p>
+          </p:txBody>
+        </p:sp>
+      </p:grpSp>
+      <p:sp>
+        <p:nvSpPr>
+          <p:cNvPr id="20" name="Oval 19">
+            <a:extLst>
+              <a:ext uri="{FF2B5EF4-FFF2-40B4-BE49-F238E27FC236}">
+                <a16:creationId xmlns:a16="http://schemas.microsoft.com/office/drawing/2014/main" id="{13D16939-5A9F-41F8-A2AE-75D85C1AE61E}"/>
+              </a:ext>
+            </a:extLst>
+          </p:cNvPr>
+          <p:cNvSpPr>
+            <a:spLocks noChangeAspect="1"/>
+          </p:cNvSpPr>
+          <p:nvPr/>
+        </p:nvSpPr>
+        <p:spPr>
+          <a:xfrm>
+            <a:off x="8195015" y="7795138"/>
+            <a:ext cx="182880" cy="182880"/>
+          </a:xfrm>
+          <a:prstGeom prst="ellipse">
+            <a:avLst/>
+          </a:prstGeom>
+          <a:solidFill>
+            <a:srgbClr val="FFC000">
+              <a:alpha val="25098"/>
+            </a:srgbClr>
+          </a:solidFill>
+          <a:ln w="38100">
+            <a:solidFill>
+              <a:srgbClr val="FF0000"/>
+            </a:solidFill>
+          </a:ln>
+        </p:spPr>
+        <p:style>
+          <a:lnRef idx="2">
+            <a:schemeClr val="accent1">
+              <a:shade val="50000"/>
+            </a:schemeClr>
+          </a:lnRef>
+          <a:fillRef idx="1">
+            <a:schemeClr val="accent1"/>
+          </a:fillRef>
+          <a:effectRef idx="0">
+            <a:schemeClr val="accent1"/>
+          </a:effectRef>
+          <a:fontRef idx="minor">
+            <a:schemeClr val="lt1"/>
+          </a:fontRef>
+        </p:style>
+        <p:txBody>
+          <a:bodyPr rtlCol="0" anchor="ctr"/>
+          <a:lstStyle/>
+          <a:p>
+            <a:pPr algn="ctr"/>
+            <a:endParaRPr lang="en-US"/>
+          </a:p>
+        </p:txBody>
+      </p:sp>
+      <p:sp>
+        <p:nvSpPr>
+          <p:cNvPr id="21" name="Oval 20">
+            <a:extLst>
+              <a:ext uri="{FF2B5EF4-FFF2-40B4-BE49-F238E27FC236}">
+                <a16:creationId xmlns:a16="http://schemas.microsoft.com/office/drawing/2014/main" id="{13D16939-5A9F-41F8-A2AE-75D85C1AE61E}"/>
+              </a:ext>
+            </a:extLst>
+          </p:cNvPr>
+          <p:cNvSpPr>
+            <a:spLocks noChangeAspect="1"/>
+          </p:cNvSpPr>
+          <p:nvPr/>
+        </p:nvSpPr>
+        <p:spPr>
+          <a:xfrm>
+            <a:off x="8069512" y="7616197"/>
+            <a:ext cx="182880" cy="182880"/>
+          </a:xfrm>
+          <a:prstGeom prst="ellipse">
+            <a:avLst/>
+          </a:prstGeom>
+          <a:solidFill>
+            <a:srgbClr val="FFC000">
+              <a:alpha val="25098"/>
+            </a:srgbClr>
+          </a:solidFill>
+          <a:ln w="38100">
+            <a:solidFill>
+              <a:srgbClr val="FF0000"/>
+            </a:solidFill>
+          </a:ln>
+        </p:spPr>
+        <p:style>
+          <a:lnRef idx="2">
+            <a:schemeClr val="accent1">
+              <a:shade val="50000"/>
+            </a:schemeClr>
+          </a:lnRef>
+          <a:fillRef idx="1">
+            <a:schemeClr val="accent1"/>
+          </a:fillRef>
+          <a:effectRef idx="0">
+            <a:schemeClr val="accent1"/>
+          </a:effectRef>
+          <a:fontRef idx="minor">
+            <a:schemeClr val="lt1"/>
+          </a:fontRef>
+        </p:style>
+        <p:txBody>
+          <a:bodyPr rtlCol="0" anchor="ctr"/>
+          <a:lstStyle/>
+          <a:p>
+            <a:pPr algn="ctr"/>
+            <a:endParaRPr lang="en-US"/>
+          </a:p>
+        </p:txBody>
+      </p:sp>
+      <p:sp>
+        <p:nvSpPr>
+          <p:cNvPr id="22" name="Oval 21">
+            <a:extLst>
+              <a:ext uri="{FF2B5EF4-FFF2-40B4-BE49-F238E27FC236}">
+                <a16:creationId xmlns:a16="http://schemas.microsoft.com/office/drawing/2014/main" id="{13D16939-5A9F-41F8-A2AE-75D85C1AE61E}"/>
+              </a:ext>
+            </a:extLst>
+          </p:cNvPr>
+          <p:cNvSpPr>
+            <a:spLocks noChangeAspect="1"/>
+          </p:cNvSpPr>
+          <p:nvPr/>
+        </p:nvSpPr>
+        <p:spPr>
+          <a:xfrm>
+            <a:off x="8000745" y="7503542"/>
+            <a:ext cx="182880" cy="182880"/>
+          </a:xfrm>
+          <a:prstGeom prst="ellipse">
+            <a:avLst/>
+          </a:prstGeom>
+          <a:solidFill>
+            <a:srgbClr val="FFC000">
+              <a:alpha val="25098"/>
+            </a:srgbClr>
+          </a:solidFill>
+          <a:ln w="38100">
+            <a:solidFill>
+              <a:srgbClr val="FF0000"/>
+            </a:solidFill>
+          </a:ln>
+        </p:spPr>
+        <p:style>
+          <a:lnRef idx="2">
+            <a:schemeClr val="accent1">
+              <a:shade val="50000"/>
+            </a:schemeClr>
+          </a:lnRef>
+          <a:fillRef idx="1">
+            <a:schemeClr val="accent1"/>
+          </a:fillRef>
+          <a:effectRef idx="0">
+            <a:schemeClr val="accent1"/>
+          </a:effectRef>
+          <a:fontRef idx="minor">
+            <a:schemeClr val="lt1"/>
+          </a:fontRef>
+        </p:style>
+        <p:txBody>
+          <a:bodyPr rtlCol="0" anchor="ctr"/>
+          <a:lstStyle/>
+          <a:p>
+            <a:pPr algn="ctr"/>
+            <a:endParaRPr lang="en-US"/>
+          </a:p>
+        </p:txBody>
+      </p:sp>
+      <p:sp>
+        <p:nvSpPr>
+          <p:cNvPr id="23" name="Oval 22">
+            <a:extLst>
+              <a:ext uri="{FF2B5EF4-FFF2-40B4-BE49-F238E27FC236}">
+                <a16:creationId xmlns:a16="http://schemas.microsoft.com/office/drawing/2014/main" id="{13D16939-5A9F-41F8-A2AE-75D85C1AE61E}"/>
+              </a:ext>
+            </a:extLst>
+          </p:cNvPr>
+          <p:cNvSpPr>
+            <a:spLocks noChangeAspect="1"/>
+          </p:cNvSpPr>
+          <p:nvPr/>
+        </p:nvSpPr>
+        <p:spPr>
+          <a:xfrm>
+            <a:off x="7886972" y="7376860"/>
+            <a:ext cx="182880" cy="182880"/>
+          </a:xfrm>
+          <a:prstGeom prst="ellipse">
+            <a:avLst/>
+          </a:prstGeom>
+          <a:solidFill>
+            <a:srgbClr val="FFC000">
+              <a:alpha val="25098"/>
+            </a:srgbClr>
+          </a:solidFill>
+          <a:ln w="38100">
+            <a:solidFill>
+              <a:srgbClr val="FF0000"/>
+            </a:solidFill>
+          </a:ln>
+        </p:spPr>
+        <p:style>
+          <a:lnRef idx="2">
+            <a:schemeClr val="accent1">
+              <a:shade val="50000"/>
+            </a:schemeClr>
+          </a:lnRef>
+          <a:fillRef idx="1">
+            <a:schemeClr val="accent1"/>
+          </a:fillRef>
+          <a:effectRef idx="0">
+            <a:schemeClr val="accent1"/>
+          </a:effectRef>
+          <a:fontRef idx="minor">
+            <a:schemeClr val="lt1"/>
+          </a:fontRef>
+        </p:style>
+        <p:txBody>
+          <a:bodyPr rtlCol="0" anchor="ctr"/>
+          <a:lstStyle/>
+          <a:p>
+            <a:pPr algn="ctr"/>
+            <a:endParaRPr lang="en-US"/>
+          </a:p>
+        </p:txBody>
+      </p:sp>
+      <p:sp>
+        <p:nvSpPr>
+          <p:cNvPr id="24" name="Oval 23">
+            <a:extLst>
+              <a:ext uri="{FF2B5EF4-FFF2-40B4-BE49-F238E27FC236}">
+                <a16:creationId xmlns:a16="http://schemas.microsoft.com/office/drawing/2014/main" id="{13D16939-5A9F-41F8-A2AE-75D85C1AE61E}"/>
+              </a:ext>
+            </a:extLst>
+          </p:cNvPr>
+          <p:cNvSpPr>
+            <a:spLocks noChangeAspect="1"/>
+          </p:cNvSpPr>
+          <p:nvPr/>
+        </p:nvSpPr>
+        <p:spPr>
+          <a:xfrm>
+            <a:off x="7773199" y="7233891"/>
+            <a:ext cx="182880" cy="182880"/>
+          </a:xfrm>
+          <a:prstGeom prst="ellipse">
+            <a:avLst/>
+          </a:prstGeom>
+          <a:solidFill>
+            <a:srgbClr val="FFC000">
+              <a:alpha val="25098"/>
+            </a:srgbClr>
+          </a:solidFill>
+          <a:ln w="38100">
+            <a:solidFill>
+              <a:srgbClr val="FF0000"/>
+            </a:solidFill>
+          </a:ln>
+        </p:spPr>
+        <p:style>
+          <a:lnRef idx="2">
+            <a:schemeClr val="accent1">
+              <a:shade val="50000"/>
+            </a:schemeClr>
+          </a:lnRef>
+          <a:fillRef idx="1">
+            <a:schemeClr val="accent1"/>
+          </a:fillRef>
+          <a:effectRef idx="0">
+            <a:schemeClr val="accent1"/>
+          </a:effectRef>
+          <a:fontRef idx="minor">
+            <a:schemeClr val="lt1"/>
+          </a:fontRef>
+        </p:style>
+        <p:txBody>
+          <a:bodyPr rtlCol="0" anchor="ctr"/>
+          <a:lstStyle/>
+          <a:p>
+            <a:pPr algn="ctr"/>
+            <a:endParaRPr lang="en-US"/>
+          </a:p>
+        </p:txBody>
+      </p:sp>
+      <p:sp>
+        <p:nvSpPr>
+          <p:cNvPr id="29" name="Oval 28">
+            <a:extLst>
+              <a:ext uri="{FF2B5EF4-FFF2-40B4-BE49-F238E27FC236}">
+                <a16:creationId xmlns:a16="http://schemas.microsoft.com/office/drawing/2014/main" id="{13D16939-5A9F-41F8-A2AE-75D85C1AE61E}"/>
+              </a:ext>
+            </a:extLst>
+          </p:cNvPr>
+          <p:cNvSpPr>
+            <a:spLocks noChangeAspect="1"/>
+          </p:cNvSpPr>
+          <p:nvPr/>
+        </p:nvSpPr>
+        <p:spPr>
+          <a:xfrm>
+            <a:off x="7681045" y="7059302"/>
+            <a:ext cx="182880" cy="182880"/>
+          </a:xfrm>
+          <a:prstGeom prst="ellipse">
+            <a:avLst/>
+          </a:prstGeom>
+          <a:solidFill>
+            <a:srgbClr val="FFC000">
+              <a:alpha val="25098"/>
+            </a:srgbClr>
+          </a:solidFill>
+          <a:ln w="38100">
+            <a:solidFill>
+              <a:srgbClr val="FF0000"/>
+            </a:solidFill>
+          </a:ln>
+        </p:spPr>
+        <p:style>
+          <a:lnRef idx="2">
+            <a:schemeClr val="accent1">
+              <a:shade val="50000"/>
+            </a:schemeClr>
+          </a:lnRef>
+          <a:fillRef idx="1">
+            <a:schemeClr val="accent1"/>
+          </a:fillRef>
+          <a:effectRef idx="0">
+            <a:schemeClr val="accent1"/>
+          </a:effectRef>
+          <a:fontRef idx="minor">
+            <a:schemeClr val="lt1"/>
+          </a:fontRef>
+        </p:style>
+        <p:txBody>
+          <a:bodyPr rtlCol="0" anchor="ctr"/>
+          <a:lstStyle/>
+          <a:p>
+            <a:pPr algn="ctr"/>
+            <a:endParaRPr lang="en-US"/>
+          </a:p>
+        </p:txBody>
+      </p:sp>
+      <p:sp>
+        <p:nvSpPr>
+          <p:cNvPr id="30" name="Oval 29">
+            <a:extLst>
+              <a:ext uri="{FF2B5EF4-FFF2-40B4-BE49-F238E27FC236}">
+                <a16:creationId xmlns:a16="http://schemas.microsoft.com/office/drawing/2014/main" id="{13D16939-5A9F-41F8-A2AE-75D85C1AE61E}"/>
+              </a:ext>
+            </a:extLst>
+          </p:cNvPr>
+          <p:cNvSpPr>
+            <a:spLocks noChangeAspect="1"/>
+          </p:cNvSpPr>
+          <p:nvPr/>
+        </p:nvSpPr>
+        <p:spPr>
+          <a:xfrm>
+            <a:off x="7605378" y="6908042"/>
+            <a:ext cx="182880" cy="182880"/>
+          </a:xfrm>
+          <a:prstGeom prst="ellipse">
+            <a:avLst/>
+          </a:prstGeom>
+          <a:solidFill>
+            <a:srgbClr val="FFC000">
+              <a:alpha val="25098"/>
+            </a:srgbClr>
+          </a:solidFill>
+          <a:ln w="38100">
+            <a:solidFill>
+              <a:srgbClr val="FF0000"/>
+            </a:solidFill>
+          </a:ln>
+        </p:spPr>
+        <p:style>
+          <a:lnRef idx="2">
+            <a:schemeClr val="accent1">
+              <a:shade val="50000"/>
+            </a:schemeClr>
+          </a:lnRef>
+          <a:fillRef idx="1">
+            <a:schemeClr val="accent1"/>
+          </a:fillRef>
+          <a:effectRef idx="0">
+            <a:schemeClr val="accent1"/>
+          </a:effectRef>
+          <a:fontRef idx="minor">
+            <a:schemeClr val="lt1"/>
+          </a:fontRef>
+        </p:style>
+        <p:txBody>
+          <a:bodyPr rtlCol="0" anchor="ctr"/>
+          <a:lstStyle/>
+          <a:p>
+            <a:pPr algn="ctr"/>
+            <a:endParaRPr lang="en-US"/>
+          </a:p>
+        </p:txBody>
+      </p:sp>
+      <p:sp>
+        <p:nvSpPr>
+          <p:cNvPr id="31" name="Oval 30">
+            <a:extLst>
+              <a:ext uri="{FF2B5EF4-FFF2-40B4-BE49-F238E27FC236}">
+                <a16:creationId xmlns:a16="http://schemas.microsoft.com/office/drawing/2014/main" id="{13D16939-5A9F-41F8-A2AE-75D85C1AE61E}"/>
+              </a:ext>
+            </a:extLst>
+          </p:cNvPr>
+          <p:cNvSpPr>
+            <a:spLocks noChangeAspect="1"/>
+          </p:cNvSpPr>
+          <p:nvPr/>
+        </p:nvSpPr>
+        <p:spPr>
+          <a:xfrm>
+            <a:off x="7576859" y="6733453"/>
+            <a:ext cx="182880" cy="182880"/>
+          </a:xfrm>
+          <a:prstGeom prst="ellipse">
+            <a:avLst/>
+          </a:prstGeom>
+          <a:solidFill>
+            <a:srgbClr val="FFC000">
+              <a:alpha val="25098"/>
+            </a:srgbClr>
+          </a:solidFill>
+          <a:ln w="38100">
+            <a:solidFill>
+              <a:srgbClr val="FF0000"/>
+            </a:solidFill>
+          </a:ln>
+        </p:spPr>
+        <p:style>
+          <a:lnRef idx="2">
+            <a:schemeClr val="accent1">
+              <a:shade val="50000"/>
+            </a:schemeClr>
+          </a:lnRef>
+          <a:fillRef idx="1">
+            <a:schemeClr val="accent1"/>
+          </a:fillRef>
+          <a:effectRef idx="0">
+            <a:schemeClr val="accent1"/>
+          </a:effectRef>
+          <a:fontRef idx="minor">
+            <a:schemeClr val="lt1"/>
+          </a:fontRef>
+        </p:style>
+        <p:txBody>
+          <a:bodyPr rtlCol="0" anchor="ctr"/>
+          <a:lstStyle/>
+          <a:p>
+            <a:pPr algn="ctr"/>
+            <a:endParaRPr lang="en-US"/>
+          </a:p>
+        </p:txBody>
+      </p:sp>
+      <p:sp>
+        <p:nvSpPr>
+          <p:cNvPr id="32" name="Oval 31">
+            <a:extLst>
+              <a:ext uri="{FF2B5EF4-FFF2-40B4-BE49-F238E27FC236}">
+                <a16:creationId xmlns:a16="http://schemas.microsoft.com/office/drawing/2014/main" id="{13D16939-5A9F-41F8-A2AE-75D85C1AE61E}"/>
+              </a:ext>
+            </a:extLst>
+          </p:cNvPr>
+          <p:cNvSpPr>
+            <a:spLocks noChangeAspect="1"/>
+          </p:cNvSpPr>
+          <p:nvPr/>
+        </p:nvSpPr>
+        <p:spPr>
+          <a:xfrm>
+            <a:off x="7551459" y="6543324"/>
+            <a:ext cx="182880" cy="182880"/>
+          </a:xfrm>
+          <a:prstGeom prst="ellipse">
+            <a:avLst/>
+          </a:prstGeom>
+          <a:solidFill>
+            <a:srgbClr val="FFC000">
+              <a:alpha val="25098"/>
+            </a:srgbClr>
+          </a:solidFill>
+          <a:ln w="38100">
+            <a:solidFill>
+              <a:srgbClr val="FF0000"/>
+            </a:solidFill>
+          </a:ln>
+        </p:spPr>
+        <p:style>
+          <a:lnRef idx="2">
+            <a:schemeClr val="accent1">
+              <a:shade val="50000"/>
+            </a:schemeClr>
+          </a:lnRef>
+          <a:fillRef idx="1">
+            <a:schemeClr val="accent1"/>
+          </a:fillRef>
+          <a:effectRef idx="0">
+            <a:schemeClr val="accent1"/>
+          </a:effectRef>
+          <a:fontRef idx="minor">
+            <a:schemeClr val="lt1"/>
+          </a:fontRef>
+        </p:style>
+        <p:txBody>
+          <a:bodyPr rtlCol="0" anchor="ctr"/>
+          <a:lstStyle/>
+          <a:p>
+            <a:pPr algn="ctr"/>
+            <a:endParaRPr lang="en-US"/>
+          </a:p>
+        </p:txBody>
+      </p:sp>
+      <p:sp>
+        <p:nvSpPr>
+          <p:cNvPr id="33" name="Oval 32">
+            <a:extLst>
+              <a:ext uri="{FF2B5EF4-FFF2-40B4-BE49-F238E27FC236}">
+                <a16:creationId xmlns:a16="http://schemas.microsoft.com/office/drawing/2014/main" id="{13D16939-5A9F-41F8-A2AE-75D85C1AE61E}"/>
+              </a:ext>
+            </a:extLst>
+          </p:cNvPr>
+          <p:cNvSpPr>
+            <a:spLocks noChangeAspect="1"/>
+          </p:cNvSpPr>
+          <p:nvPr/>
+        </p:nvSpPr>
+        <p:spPr>
+          <a:xfrm>
+            <a:off x="7564254" y="6376254"/>
+            <a:ext cx="182880" cy="182880"/>
+          </a:xfrm>
+          <a:prstGeom prst="ellipse">
+            <a:avLst/>
+          </a:prstGeom>
+          <a:solidFill>
+            <a:srgbClr val="FFC000">
+              <a:alpha val="25098"/>
+            </a:srgbClr>
+          </a:solidFill>
+          <a:ln w="38100">
+            <a:solidFill>
+              <a:srgbClr val="FF0000"/>
+            </a:solidFill>
+          </a:ln>
+        </p:spPr>
+        <p:style>
+          <a:lnRef idx="2">
+            <a:schemeClr val="accent1">
+              <a:shade val="50000"/>
+            </a:schemeClr>
+          </a:lnRef>
+          <a:fillRef idx="1">
+            <a:schemeClr val="accent1"/>
+          </a:fillRef>
+          <a:effectRef idx="0">
+            <a:schemeClr val="accent1"/>
+          </a:effectRef>
+          <a:fontRef idx="minor">
+            <a:schemeClr val="lt1"/>
+          </a:fontRef>
+        </p:style>
+        <p:txBody>
+          <a:bodyPr rtlCol="0" anchor="ctr"/>
+          <a:lstStyle/>
+          <a:p>
+            <a:pPr algn="ctr"/>
+            <a:endParaRPr lang="en-US"/>
+          </a:p>
+        </p:txBody>
+      </p:sp>
+      <p:sp>
+        <p:nvSpPr>
+          <p:cNvPr id="34" name="Oval 33">
+            <a:extLst>
+              <a:ext uri="{FF2B5EF4-FFF2-40B4-BE49-F238E27FC236}">
+                <a16:creationId xmlns:a16="http://schemas.microsoft.com/office/drawing/2014/main" id="{13D16939-5A9F-41F8-A2AE-75D85C1AE61E}"/>
+              </a:ext>
+            </a:extLst>
+          </p:cNvPr>
+          <p:cNvSpPr>
+            <a:spLocks noChangeAspect="1"/>
+          </p:cNvSpPr>
+          <p:nvPr/>
+        </p:nvSpPr>
+        <p:spPr>
+          <a:xfrm>
+            <a:off x="7605512" y="6194578"/>
+            <a:ext cx="182880" cy="182880"/>
+          </a:xfrm>
+          <a:prstGeom prst="ellipse">
+            <a:avLst/>
+          </a:prstGeom>
+          <a:solidFill>
+            <a:srgbClr val="FFC000">
+              <a:alpha val="25098"/>
+            </a:srgbClr>
+          </a:solidFill>
+          <a:ln w="38100">
+            <a:solidFill>
+              <a:srgbClr val="FF0000"/>
+            </a:solidFill>
+          </a:ln>
+        </p:spPr>
+        <p:style>
+          <a:lnRef idx="2">
+            <a:schemeClr val="accent1">
+              <a:shade val="50000"/>
+            </a:schemeClr>
+          </a:lnRef>
+          <a:fillRef idx="1">
+            <a:schemeClr val="accent1"/>
+          </a:fillRef>
+          <a:effectRef idx="0">
+            <a:schemeClr val="accent1"/>
+          </a:effectRef>
+          <a:fontRef idx="minor">
+            <a:schemeClr val="lt1"/>
+          </a:fontRef>
+        </p:style>
+        <p:txBody>
+          <a:bodyPr rtlCol="0" anchor="ctr"/>
+          <a:lstStyle/>
+          <a:p>
+            <a:pPr algn="ctr"/>
+            <a:endParaRPr lang="en-US"/>
+          </a:p>
+        </p:txBody>
+      </p:sp>
+      <p:sp>
+        <p:nvSpPr>
+          <p:cNvPr id="35" name="Oval 34">
+            <a:extLst>
+              <a:ext uri="{FF2B5EF4-FFF2-40B4-BE49-F238E27FC236}">
+                <a16:creationId xmlns:a16="http://schemas.microsoft.com/office/drawing/2014/main" id="{13D16939-5A9F-41F8-A2AE-75D85C1AE61E}"/>
+              </a:ext>
+            </a:extLst>
+          </p:cNvPr>
+          <p:cNvSpPr>
+            <a:spLocks noChangeAspect="1"/>
+          </p:cNvSpPr>
+          <p:nvPr/>
+        </p:nvSpPr>
+        <p:spPr>
+          <a:xfrm>
+            <a:off x="7734339" y="6104632"/>
+            <a:ext cx="182880" cy="182880"/>
+          </a:xfrm>
+          <a:prstGeom prst="ellipse">
+            <a:avLst/>
+          </a:prstGeom>
+          <a:solidFill>
+            <a:srgbClr val="FFC000">
+              <a:alpha val="25098"/>
+            </a:srgbClr>
+          </a:solidFill>
+          <a:ln w="38100">
+            <a:solidFill>
+              <a:srgbClr val="FF0000"/>
+            </a:solidFill>
+          </a:ln>
+        </p:spPr>
+        <p:style>
+          <a:lnRef idx="2">
+            <a:schemeClr val="accent1">
+              <a:shade val="50000"/>
+            </a:schemeClr>
+          </a:lnRef>
+          <a:fillRef idx="1">
+            <a:schemeClr val="accent1"/>
+          </a:fillRef>
+          <a:effectRef idx="0">
+            <a:schemeClr val="accent1"/>
+          </a:effectRef>
+          <a:fontRef idx="minor">
+            <a:schemeClr val="lt1"/>
+          </a:fontRef>
+        </p:style>
+        <p:txBody>
+          <a:bodyPr rtlCol="0" anchor="ctr"/>
+          <a:lstStyle/>
+          <a:p>
+            <a:pPr algn="ctr"/>
+            <a:endParaRPr lang="en-US"/>
+          </a:p>
+        </p:txBody>
+      </p:sp>
+      <p:sp>
+        <p:nvSpPr>
+          <p:cNvPr id="36" name="Oval 35">
+            <a:extLst>
+              <a:ext uri="{FF2B5EF4-FFF2-40B4-BE49-F238E27FC236}">
+                <a16:creationId xmlns:a16="http://schemas.microsoft.com/office/drawing/2014/main" id="{13D16939-5A9F-41F8-A2AE-75D85C1AE61E}"/>
+              </a:ext>
+            </a:extLst>
+          </p:cNvPr>
+          <p:cNvSpPr>
+            <a:spLocks noChangeAspect="1"/>
+          </p:cNvSpPr>
+          <p:nvPr/>
+        </p:nvSpPr>
+        <p:spPr>
+          <a:xfrm>
+            <a:off x="7864639" y="6020127"/>
+            <a:ext cx="182880" cy="182880"/>
+          </a:xfrm>
+          <a:prstGeom prst="ellipse">
+            <a:avLst/>
+          </a:prstGeom>
+          <a:solidFill>
+            <a:srgbClr val="FFC000">
+              <a:alpha val="25098"/>
+            </a:srgbClr>
+          </a:solidFill>
+          <a:ln w="38100">
+            <a:solidFill>
+              <a:srgbClr val="FF0000"/>
+            </a:solidFill>
+          </a:ln>
+        </p:spPr>
+        <p:style>
+          <a:lnRef idx="2">
+            <a:schemeClr val="accent1">
+              <a:shade val="50000"/>
+            </a:schemeClr>
+          </a:lnRef>
+          <a:fillRef idx="1">
+            <a:schemeClr val="accent1"/>
+          </a:fillRef>
+          <a:effectRef idx="0">
+            <a:schemeClr val="accent1"/>
+          </a:effectRef>
+          <a:fontRef idx="minor">
+            <a:schemeClr val="lt1"/>
+          </a:fontRef>
+        </p:style>
+        <p:txBody>
+          <a:bodyPr rtlCol="0" anchor="ctr"/>
+          <a:lstStyle/>
+          <a:p>
+            <a:pPr algn="ctr"/>
+            <a:endParaRPr lang="en-US"/>
+          </a:p>
+        </p:txBody>
+      </p:sp>
+      <p:sp>
+        <p:nvSpPr>
+          <p:cNvPr id="37" name="Oval 36">
+            <a:extLst>
+              <a:ext uri="{FF2B5EF4-FFF2-40B4-BE49-F238E27FC236}">
+                <a16:creationId xmlns:a16="http://schemas.microsoft.com/office/drawing/2014/main" id="{13D16939-5A9F-41F8-A2AE-75D85C1AE61E}"/>
+              </a:ext>
+            </a:extLst>
+          </p:cNvPr>
+          <p:cNvSpPr>
+            <a:spLocks noChangeAspect="1"/>
+          </p:cNvSpPr>
+          <p:nvPr/>
+        </p:nvSpPr>
+        <p:spPr>
+          <a:xfrm>
+            <a:off x="8000745" y="5910800"/>
+            <a:ext cx="182880" cy="182880"/>
+          </a:xfrm>
+          <a:prstGeom prst="ellipse">
+            <a:avLst/>
+          </a:prstGeom>
+          <a:solidFill>
+            <a:srgbClr val="FFC000">
+              <a:alpha val="25098"/>
+            </a:srgbClr>
+          </a:solidFill>
+          <a:ln w="38100">
+            <a:solidFill>
+              <a:srgbClr val="FF0000"/>
+            </a:solidFill>
+          </a:ln>
+        </p:spPr>
+        <p:style>
+          <a:lnRef idx="2">
+            <a:schemeClr val="accent1">
+              <a:shade val="50000"/>
+            </a:schemeClr>
+          </a:lnRef>
+          <a:fillRef idx="1">
+            <a:schemeClr val="accent1"/>
+          </a:fillRef>
+          <a:effectRef idx="0">
+            <a:schemeClr val="accent1"/>
+          </a:effectRef>
+          <a:fontRef idx="minor">
+            <a:schemeClr val="lt1"/>
+          </a:fontRef>
+        </p:style>
+        <p:txBody>
+          <a:bodyPr rtlCol="0" anchor="ctr"/>
+          <a:lstStyle/>
+          <a:p>
+            <a:pPr algn="ctr"/>
+            <a:endParaRPr lang="en-US"/>
+          </a:p>
+        </p:txBody>
+      </p:sp>
+      <p:sp>
+        <p:nvSpPr>
+          <p:cNvPr id="38" name="Oval 37">
+            <a:extLst>
+              <a:ext uri="{FF2B5EF4-FFF2-40B4-BE49-F238E27FC236}">
+                <a16:creationId xmlns:a16="http://schemas.microsoft.com/office/drawing/2014/main" id="{13D16939-5A9F-41F8-A2AE-75D85C1AE61E}"/>
+              </a:ext>
+            </a:extLst>
+          </p:cNvPr>
+          <p:cNvSpPr>
+            <a:spLocks noChangeAspect="1"/>
+          </p:cNvSpPr>
+          <p:nvPr/>
+        </p:nvSpPr>
+        <p:spPr>
+          <a:xfrm>
+            <a:off x="8155106" y="5723631"/>
+            <a:ext cx="182880" cy="182880"/>
+          </a:xfrm>
+          <a:prstGeom prst="ellipse">
+            <a:avLst/>
+          </a:prstGeom>
+          <a:solidFill>
+            <a:srgbClr val="FFC000">
+              <a:alpha val="25098"/>
+            </a:srgbClr>
+          </a:solidFill>
+          <a:ln w="38100">
+            <a:solidFill>
+              <a:srgbClr val="FF0000"/>
+            </a:solidFill>
+          </a:ln>
+        </p:spPr>
+        <p:style>
+          <a:lnRef idx="2">
+            <a:schemeClr val="accent1">
+              <a:shade val="50000"/>
+            </a:schemeClr>
+          </a:lnRef>
+          <a:fillRef idx="1">
+            <a:schemeClr val="accent1"/>
+          </a:fillRef>
+          <a:effectRef idx="0">
+            <a:schemeClr val="accent1"/>
+          </a:effectRef>
+          <a:fontRef idx="minor">
+            <a:schemeClr val="lt1"/>
+          </a:fontRef>
+        </p:style>
+        <p:txBody>
+          <a:bodyPr rtlCol="0" anchor="ctr"/>
+          <a:lstStyle/>
+          <a:p>
+            <a:pPr algn="ctr"/>
+            <a:endParaRPr lang="en-US"/>
+          </a:p>
+        </p:txBody>
+      </p:sp>
+      <p:sp>
+        <p:nvSpPr>
+          <p:cNvPr id="44" name="Oval 43">
+            <a:extLst>
+              <a:ext uri="{FF2B5EF4-FFF2-40B4-BE49-F238E27FC236}">
+                <a16:creationId xmlns:a16="http://schemas.microsoft.com/office/drawing/2014/main" id="{13D16939-5A9F-41F8-A2AE-75D85C1AE61E}"/>
+              </a:ext>
+            </a:extLst>
+          </p:cNvPr>
+          <p:cNvSpPr>
+            <a:spLocks noChangeAspect="1"/>
+          </p:cNvSpPr>
+          <p:nvPr/>
+        </p:nvSpPr>
+        <p:spPr>
+          <a:xfrm>
+            <a:off x="8012135" y="5537382"/>
+            <a:ext cx="182880" cy="182880"/>
+          </a:xfrm>
+          <a:prstGeom prst="ellipse">
+            <a:avLst/>
+          </a:prstGeom>
+          <a:solidFill>
+            <a:srgbClr val="FFC000">
+              <a:alpha val="25098"/>
+            </a:srgbClr>
+          </a:solidFill>
+          <a:ln w="38100">
+            <a:solidFill>
+              <a:srgbClr val="FF0000"/>
+            </a:solidFill>
+          </a:ln>
+        </p:spPr>
+        <p:style>
+          <a:lnRef idx="2">
+            <a:schemeClr val="accent1">
+              <a:shade val="50000"/>
+            </a:schemeClr>
+          </a:lnRef>
+          <a:fillRef idx="1">
+            <a:schemeClr val="accent1"/>
+          </a:fillRef>
+          <a:effectRef idx="0">
+            <a:schemeClr val="accent1"/>
+          </a:effectRef>
+          <a:fontRef idx="minor">
+            <a:schemeClr val="lt1"/>
+          </a:fontRef>
+        </p:style>
+        <p:txBody>
+          <a:bodyPr rtlCol="0" anchor="ctr"/>
+          <a:lstStyle/>
+          <a:p>
+            <a:pPr algn="ctr"/>
+            <a:endParaRPr lang="en-US"/>
+          </a:p>
+        </p:txBody>
+      </p:sp>
+      <p:sp>
+        <p:nvSpPr>
+          <p:cNvPr id="45" name="Oval 44">
+            <a:extLst>
+              <a:ext uri="{FF2B5EF4-FFF2-40B4-BE49-F238E27FC236}">
+                <a16:creationId xmlns:a16="http://schemas.microsoft.com/office/drawing/2014/main" id="{13D16939-5A9F-41F8-A2AE-75D85C1AE61E}"/>
+              </a:ext>
+            </a:extLst>
+          </p:cNvPr>
+          <p:cNvSpPr>
+            <a:spLocks noChangeAspect="1"/>
+          </p:cNvSpPr>
+          <p:nvPr/>
+        </p:nvSpPr>
+        <p:spPr>
+          <a:xfrm>
+            <a:off x="7981684" y="5338309"/>
+            <a:ext cx="182880" cy="182880"/>
+          </a:xfrm>
+          <a:prstGeom prst="ellipse">
+            <a:avLst/>
+          </a:prstGeom>
+          <a:solidFill>
+            <a:srgbClr val="FFC000">
+              <a:alpha val="25098"/>
+            </a:srgbClr>
+          </a:solidFill>
+          <a:ln w="38100">
+            <a:solidFill>
+              <a:srgbClr val="FF0000"/>
+            </a:solidFill>
+          </a:ln>
+        </p:spPr>
+        <p:style>
+          <a:lnRef idx="2">
+            <a:schemeClr val="accent1">
+              <a:shade val="50000"/>
+            </a:schemeClr>
+          </a:lnRef>
+          <a:fillRef idx="1">
+            <a:schemeClr val="accent1"/>
+          </a:fillRef>
+          <a:effectRef idx="0">
+            <a:schemeClr val="accent1"/>
+          </a:effectRef>
+          <a:fontRef idx="minor">
+            <a:schemeClr val="lt1"/>
+          </a:fontRef>
+        </p:style>
+        <p:txBody>
+          <a:bodyPr rtlCol="0" anchor="ctr"/>
+          <a:lstStyle/>
+          <a:p>
+            <a:pPr algn="ctr"/>
+            <a:endParaRPr lang="en-US"/>
+          </a:p>
+        </p:txBody>
+      </p:sp>
+      <p:sp>
+        <p:nvSpPr>
+          <p:cNvPr id="46" name="Oval 45">
+            <a:extLst>
+              <a:ext uri="{FF2B5EF4-FFF2-40B4-BE49-F238E27FC236}">
+                <a16:creationId xmlns:a16="http://schemas.microsoft.com/office/drawing/2014/main" id="{13D16939-5A9F-41F8-A2AE-75D85C1AE61E}"/>
+              </a:ext>
+            </a:extLst>
+          </p:cNvPr>
+          <p:cNvSpPr>
+            <a:spLocks noChangeAspect="1"/>
+          </p:cNvSpPr>
+          <p:nvPr/>
+        </p:nvSpPr>
+        <p:spPr>
+          <a:xfrm>
+            <a:off x="7936338" y="5158881"/>
+            <a:ext cx="182880" cy="182880"/>
+          </a:xfrm>
+          <a:prstGeom prst="ellipse">
+            <a:avLst/>
+          </a:prstGeom>
+          <a:solidFill>
+            <a:srgbClr val="FFC000">
+              <a:alpha val="25098"/>
+            </a:srgbClr>
+          </a:solidFill>
+          <a:ln w="38100">
+            <a:solidFill>
+              <a:srgbClr val="FF0000"/>
+            </a:solidFill>
+          </a:ln>
+        </p:spPr>
+        <p:style>
+          <a:lnRef idx="2">
+            <a:schemeClr val="accent1">
+              <a:shade val="50000"/>
+            </a:schemeClr>
+          </a:lnRef>
+          <a:fillRef idx="1">
+            <a:schemeClr val="accent1"/>
+          </a:fillRef>
+          <a:effectRef idx="0">
+            <a:schemeClr val="accent1"/>
+          </a:effectRef>
+          <a:fontRef idx="minor">
+            <a:schemeClr val="lt1"/>
+          </a:fontRef>
+        </p:style>
+        <p:txBody>
+          <a:bodyPr rtlCol="0" anchor="ctr"/>
+          <a:lstStyle/>
+          <a:p>
+            <a:pPr algn="ctr"/>
+            <a:endParaRPr lang="en-US"/>
+          </a:p>
+        </p:txBody>
+      </p:sp>
+      <p:sp>
+        <p:nvSpPr>
+          <p:cNvPr id="47" name="Oval 46">
+            <a:extLst>
+              <a:ext uri="{FF2B5EF4-FFF2-40B4-BE49-F238E27FC236}">
+                <a16:creationId xmlns:a16="http://schemas.microsoft.com/office/drawing/2014/main" id="{13D16939-5A9F-41F8-A2AE-75D85C1AE61E}"/>
+              </a:ext>
+            </a:extLst>
+          </p:cNvPr>
+          <p:cNvSpPr>
+            <a:spLocks noChangeAspect="1"/>
+          </p:cNvSpPr>
+          <p:nvPr/>
+        </p:nvSpPr>
+        <p:spPr>
+          <a:xfrm>
+            <a:off x="7842223" y="4988359"/>
+            <a:ext cx="182880" cy="182880"/>
+          </a:xfrm>
+          <a:prstGeom prst="ellipse">
+            <a:avLst/>
+          </a:prstGeom>
+          <a:solidFill>
+            <a:srgbClr val="FFC000">
+              <a:alpha val="25098"/>
+            </a:srgbClr>
+          </a:solidFill>
+          <a:ln w="38100">
+            <a:solidFill>
+              <a:srgbClr val="FF0000"/>
+            </a:solidFill>
+          </a:ln>
+        </p:spPr>
+        <p:style>
+          <a:lnRef idx="2">
+            <a:schemeClr val="accent1">
+              <a:shade val="50000"/>
+            </a:schemeClr>
+          </a:lnRef>
+          <a:fillRef idx="1">
+            <a:schemeClr val="accent1"/>
+          </a:fillRef>
+          <a:effectRef idx="0">
+            <a:schemeClr val="accent1"/>
+          </a:effectRef>
+          <a:fontRef idx="minor">
+            <a:schemeClr val="lt1"/>
+          </a:fontRef>
+        </p:style>
+        <p:txBody>
+          <a:bodyPr rtlCol="0" anchor="ctr"/>
+          <a:lstStyle/>
+          <a:p>
+            <a:pPr algn="ctr"/>
+            <a:endParaRPr lang="en-US"/>
+          </a:p>
+        </p:txBody>
+      </p:sp>
+      <p:sp>
+        <p:nvSpPr>
+          <p:cNvPr id="48" name="Oval 47">
+            <a:extLst>
+              <a:ext uri="{FF2B5EF4-FFF2-40B4-BE49-F238E27FC236}">
+                <a16:creationId xmlns:a16="http://schemas.microsoft.com/office/drawing/2014/main" id="{13D16939-5A9F-41F8-A2AE-75D85C1AE61E}"/>
+              </a:ext>
+            </a:extLst>
+          </p:cNvPr>
+          <p:cNvSpPr>
+            <a:spLocks noChangeAspect="1"/>
+          </p:cNvSpPr>
+          <p:nvPr/>
+        </p:nvSpPr>
+        <p:spPr>
+          <a:xfrm>
+            <a:off x="7742853" y="4821527"/>
+            <a:ext cx="182880" cy="182880"/>
+          </a:xfrm>
+          <a:prstGeom prst="ellipse">
+            <a:avLst/>
+          </a:prstGeom>
+          <a:solidFill>
+            <a:srgbClr val="FFC000">
+              <a:alpha val="25098"/>
+            </a:srgbClr>
+          </a:solidFill>
+          <a:ln w="38100">
+            <a:solidFill>
+              <a:srgbClr val="FF0000"/>
+            </a:solidFill>
+          </a:ln>
+        </p:spPr>
+        <p:style>
+          <a:lnRef idx="2">
+            <a:schemeClr val="accent1">
+              <a:shade val="50000"/>
+            </a:schemeClr>
+          </a:lnRef>
+          <a:fillRef idx="1">
+            <a:schemeClr val="accent1"/>
+          </a:fillRef>
+          <a:effectRef idx="0">
+            <a:schemeClr val="accent1"/>
+          </a:effectRef>
+          <a:fontRef idx="minor">
+            <a:schemeClr val="lt1"/>
+          </a:fontRef>
+        </p:style>
+        <p:txBody>
+          <a:bodyPr rtlCol="0" anchor="ctr"/>
+          <a:lstStyle/>
+          <a:p>
+            <a:pPr algn="ctr"/>
+            <a:endParaRPr lang="en-US"/>
+          </a:p>
+        </p:txBody>
+      </p:sp>
+      <p:sp>
+        <p:nvSpPr>
+          <p:cNvPr id="49" name="Oval 48">
+            <a:extLst>
+              <a:ext uri="{FF2B5EF4-FFF2-40B4-BE49-F238E27FC236}">
+                <a16:creationId xmlns:a16="http://schemas.microsoft.com/office/drawing/2014/main" id="{13D16939-5A9F-41F8-A2AE-75D85C1AE61E}"/>
+              </a:ext>
+            </a:extLst>
+          </p:cNvPr>
+          <p:cNvSpPr>
+            <a:spLocks noChangeAspect="1"/>
+          </p:cNvSpPr>
+          <p:nvPr/>
+        </p:nvSpPr>
+        <p:spPr>
+          <a:xfrm>
+            <a:off x="7642899" y="4685114"/>
+            <a:ext cx="182880" cy="182880"/>
+          </a:xfrm>
+          <a:prstGeom prst="ellipse">
+            <a:avLst/>
+          </a:prstGeom>
+          <a:solidFill>
+            <a:srgbClr val="FFC000">
+              <a:alpha val="25098"/>
+            </a:srgbClr>
+          </a:solidFill>
+          <a:ln w="38100">
+            <a:solidFill>
+              <a:srgbClr val="FF0000"/>
+            </a:solidFill>
+          </a:ln>
+        </p:spPr>
+        <p:style>
+          <a:lnRef idx="2">
+            <a:schemeClr val="accent1">
+              <a:shade val="50000"/>
+            </a:schemeClr>
+          </a:lnRef>
+          <a:fillRef idx="1">
+            <a:schemeClr val="accent1"/>
+          </a:fillRef>
+          <a:effectRef idx="0">
+            <a:schemeClr val="accent1"/>
+          </a:effectRef>
+          <a:fontRef idx="minor">
+            <a:schemeClr val="lt1"/>
+          </a:fontRef>
+        </p:style>
+        <p:txBody>
+          <a:bodyPr rtlCol="0" anchor="ctr"/>
+          <a:lstStyle/>
+          <a:p>
+            <a:pPr algn="ctr"/>
+            <a:endParaRPr lang="en-US"/>
+          </a:p>
+        </p:txBody>
+      </p:sp>
+      <p:sp>
+        <p:nvSpPr>
+          <p:cNvPr id="50" name="Oval 49">
+            <a:extLst>
+              <a:ext uri="{FF2B5EF4-FFF2-40B4-BE49-F238E27FC236}">
+                <a16:creationId xmlns:a16="http://schemas.microsoft.com/office/drawing/2014/main" id="{13D16939-5A9F-41F8-A2AE-75D85C1AE61E}"/>
+              </a:ext>
+            </a:extLst>
+          </p:cNvPr>
+          <p:cNvSpPr>
+            <a:spLocks noChangeAspect="1"/>
+          </p:cNvSpPr>
+          <p:nvPr/>
+        </p:nvSpPr>
+        <p:spPr>
+          <a:xfrm>
+            <a:off x="7472814" y="4625477"/>
+            <a:ext cx="182880" cy="182880"/>
+          </a:xfrm>
+          <a:prstGeom prst="ellipse">
+            <a:avLst/>
+          </a:prstGeom>
+          <a:solidFill>
+            <a:srgbClr val="FFC000">
+              <a:alpha val="25098"/>
+            </a:srgbClr>
+          </a:solidFill>
+          <a:ln w="38100">
+            <a:solidFill>
+              <a:srgbClr val="FF0000"/>
+            </a:solidFill>
+          </a:ln>
+        </p:spPr>
+        <p:style>
+          <a:lnRef idx="2">
+            <a:schemeClr val="accent1">
+              <a:shade val="50000"/>
+            </a:schemeClr>
+          </a:lnRef>
+          <a:fillRef idx="1">
+            <a:schemeClr val="accent1"/>
+          </a:fillRef>
+          <a:effectRef idx="0">
+            <a:schemeClr val="accent1"/>
+          </a:effectRef>
+          <a:fontRef idx="minor">
+            <a:schemeClr val="lt1"/>
+          </a:fontRef>
+        </p:style>
+        <p:txBody>
+          <a:bodyPr rtlCol="0" anchor="ctr"/>
+          <a:lstStyle/>
+          <a:p>
+            <a:pPr algn="ctr"/>
+            <a:endParaRPr lang="en-US"/>
+          </a:p>
+        </p:txBody>
+      </p:sp>
+      <p:sp>
+        <p:nvSpPr>
+          <p:cNvPr id="51" name="Oval 50">
+            <a:extLst>
+              <a:ext uri="{FF2B5EF4-FFF2-40B4-BE49-F238E27FC236}">
+                <a16:creationId xmlns:a16="http://schemas.microsoft.com/office/drawing/2014/main" id="{13D16939-5A9F-41F8-A2AE-75D85C1AE61E}"/>
+              </a:ext>
+            </a:extLst>
+          </p:cNvPr>
+          <p:cNvSpPr>
+            <a:spLocks noChangeAspect="1"/>
+          </p:cNvSpPr>
+          <p:nvPr/>
+        </p:nvSpPr>
+        <p:spPr>
+          <a:xfrm>
+            <a:off x="7269058" y="4561977"/>
+            <a:ext cx="182880" cy="182880"/>
+          </a:xfrm>
+          <a:prstGeom prst="ellipse">
+            <a:avLst/>
+          </a:prstGeom>
+          <a:solidFill>
+            <a:srgbClr val="FFC000">
+              <a:alpha val="25098"/>
+            </a:srgbClr>
+          </a:solidFill>
+          <a:ln w="38100">
+            <a:solidFill>
+              <a:srgbClr val="FF0000"/>
+            </a:solidFill>
+          </a:ln>
+        </p:spPr>
+        <p:style>
+          <a:lnRef idx="2">
+            <a:schemeClr val="accent1">
+              <a:shade val="50000"/>
+            </a:schemeClr>
+          </a:lnRef>
+          <a:fillRef idx="1">
+            <a:schemeClr val="accent1"/>
+          </a:fillRef>
+          <a:effectRef idx="0">
+            <a:schemeClr val="accent1"/>
+          </a:effectRef>
+          <a:fontRef idx="minor">
+            <a:schemeClr val="lt1"/>
+          </a:fontRef>
+        </p:style>
+        <p:txBody>
+          <a:bodyPr rtlCol="0" anchor="ctr"/>
+          <a:lstStyle/>
+          <a:p>
+            <a:pPr algn="ctr"/>
+            <a:endParaRPr lang="en-US"/>
+          </a:p>
+        </p:txBody>
+      </p:sp>
+      <p:sp>
+        <p:nvSpPr>
+          <p:cNvPr id="52" name="Oval 51">
+            <a:extLst>
+              <a:ext uri="{FF2B5EF4-FFF2-40B4-BE49-F238E27FC236}">
+                <a16:creationId xmlns:a16="http://schemas.microsoft.com/office/drawing/2014/main" id="{13D16939-5A9F-41F8-A2AE-75D85C1AE61E}"/>
+              </a:ext>
+            </a:extLst>
+          </p:cNvPr>
+          <p:cNvSpPr>
+            <a:spLocks noChangeAspect="1"/>
+          </p:cNvSpPr>
+          <p:nvPr/>
+        </p:nvSpPr>
+        <p:spPr>
+          <a:xfrm>
+            <a:off x="7091540" y="4480311"/>
+            <a:ext cx="182880" cy="182880"/>
+          </a:xfrm>
+          <a:prstGeom prst="ellipse">
+            <a:avLst/>
+          </a:prstGeom>
+          <a:solidFill>
+            <a:srgbClr val="FFC000">
+              <a:alpha val="25098"/>
+            </a:srgbClr>
+          </a:solidFill>
+          <a:ln w="38100">
+            <a:solidFill>
+              <a:srgbClr val="FF0000"/>
+            </a:solidFill>
+          </a:ln>
+        </p:spPr>
+        <p:style>
+          <a:lnRef idx="2">
+            <a:schemeClr val="accent1">
+              <a:shade val="50000"/>
+            </a:schemeClr>
+          </a:lnRef>
+          <a:fillRef idx="1">
+            <a:schemeClr val="accent1"/>
+          </a:fillRef>
+          <a:effectRef idx="0">
+            <a:schemeClr val="accent1"/>
+          </a:effectRef>
+          <a:fontRef idx="minor">
+            <a:schemeClr val="lt1"/>
+          </a:fontRef>
+        </p:style>
+        <p:txBody>
+          <a:bodyPr rtlCol="0" anchor="ctr"/>
+          <a:lstStyle/>
+          <a:p>
+            <a:pPr algn="ctr"/>
+            <a:endParaRPr lang="en-US"/>
+          </a:p>
+        </p:txBody>
+      </p:sp>
+      <p:sp>
+        <p:nvSpPr>
+          <p:cNvPr id="53" name="Oval 52">
+            <a:extLst>
+              <a:ext uri="{FF2B5EF4-FFF2-40B4-BE49-F238E27FC236}">
+                <a16:creationId xmlns:a16="http://schemas.microsoft.com/office/drawing/2014/main" id="{13D16939-5A9F-41F8-A2AE-75D85C1AE61E}"/>
+              </a:ext>
+            </a:extLst>
+          </p:cNvPr>
+          <p:cNvSpPr>
+            <a:spLocks noChangeAspect="1"/>
+          </p:cNvSpPr>
+          <p:nvPr/>
+        </p:nvSpPr>
+        <p:spPr>
+          <a:xfrm>
+            <a:off x="7003826" y="4340065"/>
+            <a:ext cx="182880" cy="182880"/>
+          </a:xfrm>
+          <a:prstGeom prst="ellipse">
+            <a:avLst/>
+          </a:prstGeom>
+          <a:solidFill>
+            <a:srgbClr val="FFC000">
+              <a:alpha val="25098"/>
+            </a:srgbClr>
+          </a:solidFill>
+          <a:ln w="38100">
+            <a:solidFill>
+              <a:srgbClr val="FF0000"/>
+            </a:solidFill>
+          </a:ln>
+        </p:spPr>
+        <p:style>
+          <a:lnRef idx="2">
+            <a:schemeClr val="accent1">
+              <a:shade val="50000"/>
+            </a:schemeClr>
+          </a:lnRef>
+          <a:fillRef idx="1">
+            <a:schemeClr val="accent1"/>
+          </a:fillRef>
+          <a:effectRef idx="0">
+            <a:schemeClr val="accent1"/>
+          </a:effectRef>
+          <a:fontRef idx="minor">
+            <a:schemeClr val="lt1"/>
+          </a:fontRef>
+        </p:style>
+        <p:txBody>
+          <a:bodyPr rtlCol="0" anchor="ctr"/>
+          <a:lstStyle/>
+          <a:p>
+            <a:pPr algn="ctr"/>
+            <a:endParaRPr lang="en-US"/>
+          </a:p>
+        </p:txBody>
+      </p:sp>
+      <p:sp>
+        <p:nvSpPr>
+          <p:cNvPr id="54" name="Oval 53">
+            <a:extLst>
+              <a:ext uri="{FF2B5EF4-FFF2-40B4-BE49-F238E27FC236}">
+                <a16:creationId xmlns:a16="http://schemas.microsoft.com/office/drawing/2014/main" id="{13D16939-5A9F-41F8-A2AE-75D85C1AE61E}"/>
+              </a:ext>
+            </a:extLst>
+          </p:cNvPr>
+          <p:cNvSpPr>
+            <a:spLocks noChangeAspect="1"/>
+          </p:cNvSpPr>
+          <p:nvPr/>
+        </p:nvSpPr>
+        <p:spPr>
+          <a:xfrm>
+            <a:off x="6820946" y="4229078"/>
+            <a:ext cx="182880" cy="182880"/>
+          </a:xfrm>
+          <a:prstGeom prst="ellipse">
+            <a:avLst/>
+          </a:prstGeom>
+          <a:solidFill>
+            <a:srgbClr val="FFC000">
+              <a:alpha val="25098"/>
+            </a:srgbClr>
+          </a:solidFill>
+          <a:ln w="38100">
+            <a:solidFill>
+              <a:srgbClr val="FF0000"/>
+            </a:solidFill>
+          </a:ln>
+        </p:spPr>
+        <p:style>
+          <a:lnRef idx="2">
+            <a:schemeClr val="accent1">
+              <a:shade val="50000"/>
+            </a:schemeClr>
+          </a:lnRef>
+          <a:fillRef idx="1">
+            <a:schemeClr val="accent1"/>
+          </a:fillRef>
+          <a:effectRef idx="0">
+            <a:schemeClr val="accent1"/>
+          </a:effectRef>
+          <a:fontRef idx="minor">
+            <a:schemeClr val="lt1"/>
+          </a:fontRef>
+        </p:style>
+        <p:txBody>
+          <a:bodyPr rtlCol="0" anchor="ctr"/>
+          <a:lstStyle/>
+          <a:p>
+            <a:pPr algn="ctr"/>
+            <a:endParaRPr lang="en-US"/>
+          </a:p>
+        </p:txBody>
+      </p:sp>
+      <p:sp>
+        <p:nvSpPr>
+          <p:cNvPr id="55" name="Oval 54">
+            <a:extLst>
+              <a:ext uri="{FF2B5EF4-FFF2-40B4-BE49-F238E27FC236}">
+                <a16:creationId xmlns:a16="http://schemas.microsoft.com/office/drawing/2014/main" id="{13D16939-5A9F-41F8-A2AE-75D85C1AE61E}"/>
+              </a:ext>
+            </a:extLst>
+          </p:cNvPr>
+          <p:cNvSpPr>
+            <a:spLocks noChangeAspect="1"/>
+          </p:cNvSpPr>
+          <p:nvPr/>
+        </p:nvSpPr>
+        <p:spPr>
+          <a:xfrm>
+            <a:off x="6852696" y="3997392"/>
+            <a:ext cx="182880" cy="182880"/>
+          </a:xfrm>
+          <a:prstGeom prst="ellipse">
+            <a:avLst/>
+          </a:prstGeom>
+          <a:solidFill>
+            <a:srgbClr val="FFC000">
+              <a:alpha val="25098"/>
+            </a:srgbClr>
+          </a:solidFill>
+          <a:ln w="38100">
+            <a:solidFill>
+              <a:srgbClr val="FF0000"/>
+            </a:solidFill>
+          </a:ln>
+        </p:spPr>
+        <p:style>
+          <a:lnRef idx="2">
+            <a:schemeClr val="accent1">
+              <a:shade val="50000"/>
+            </a:schemeClr>
+          </a:lnRef>
+          <a:fillRef idx="1">
+            <a:schemeClr val="accent1"/>
+          </a:fillRef>
+          <a:effectRef idx="0">
+            <a:schemeClr val="accent1"/>
+          </a:effectRef>
+          <a:fontRef idx="minor">
+            <a:schemeClr val="lt1"/>
+          </a:fontRef>
+        </p:style>
+        <p:txBody>
+          <a:bodyPr rtlCol="0" anchor="ctr"/>
+          <a:lstStyle/>
+          <a:p>
+            <a:pPr algn="ctr"/>
+            <a:endParaRPr lang="en-US"/>
+          </a:p>
+        </p:txBody>
+      </p:sp>
+      <p:sp>
+        <p:nvSpPr>
+          <p:cNvPr id="56" name="Oval 55">
+            <a:extLst>
+              <a:ext uri="{FF2B5EF4-FFF2-40B4-BE49-F238E27FC236}">
+                <a16:creationId xmlns:a16="http://schemas.microsoft.com/office/drawing/2014/main" id="{13D16939-5A9F-41F8-A2AE-75D85C1AE61E}"/>
+              </a:ext>
+            </a:extLst>
+          </p:cNvPr>
+          <p:cNvSpPr>
+            <a:spLocks noChangeAspect="1"/>
+          </p:cNvSpPr>
+          <p:nvPr/>
+        </p:nvSpPr>
+        <p:spPr>
+          <a:xfrm>
+            <a:off x="6868581" y="3787878"/>
+            <a:ext cx="182880" cy="182880"/>
+          </a:xfrm>
+          <a:prstGeom prst="ellipse">
+            <a:avLst/>
+          </a:prstGeom>
+          <a:solidFill>
+            <a:srgbClr val="FFC000">
+              <a:alpha val="25098"/>
+            </a:srgbClr>
+          </a:solidFill>
+          <a:ln w="38100">
+            <a:solidFill>
+              <a:srgbClr val="FF0000"/>
+            </a:solidFill>
+          </a:ln>
+        </p:spPr>
+        <p:style>
+          <a:lnRef idx="2">
+            <a:schemeClr val="accent1">
+              <a:shade val="50000"/>
+            </a:schemeClr>
+          </a:lnRef>
+          <a:fillRef idx="1">
+            <a:schemeClr val="accent1"/>
+          </a:fillRef>
+          <a:effectRef idx="0">
+            <a:schemeClr val="accent1"/>
+          </a:effectRef>
+          <a:fontRef idx="minor">
+            <a:schemeClr val="lt1"/>
+          </a:fontRef>
+        </p:style>
+        <p:txBody>
+          <a:bodyPr rtlCol="0" anchor="ctr"/>
+          <a:lstStyle/>
+          <a:p>
+            <a:pPr algn="ctr"/>
+            <a:endParaRPr lang="en-US"/>
+          </a:p>
+        </p:txBody>
+      </p:sp>
+      <p:sp>
+        <p:nvSpPr>
+          <p:cNvPr id="57" name="Oval 56">
+            <a:extLst>
+              <a:ext uri="{FF2B5EF4-FFF2-40B4-BE49-F238E27FC236}">
+                <a16:creationId xmlns:a16="http://schemas.microsoft.com/office/drawing/2014/main" id="{13D16939-5A9F-41F8-A2AE-75D85C1AE61E}"/>
+              </a:ext>
+            </a:extLst>
+          </p:cNvPr>
+          <p:cNvSpPr>
+            <a:spLocks noChangeAspect="1"/>
+          </p:cNvSpPr>
+          <p:nvPr/>
+        </p:nvSpPr>
+        <p:spPr>
+          <a:xfrm>
+            <a:off x="6820946" y="3596917"/>
+            <a:ext cx="182880" cy="182880"/>
+          </a:xfrm>
+          <a:prstGeom prst="ellipse">
+            <a:avLst/>
+          </a:prstGeom>
+          <a:solidFill>
+            <a:srgbClr val="FFC000">
+              <a:alpha val="25098"/>
+            </a:srgbClr>
+          </a:solidFill>
+          <a:ln w="38100">
+            <a:solidFill>
+              <a:srgbClr val="FF0000"/>
+            </a:solidFill>
+          </a:ln>
+        </p:spPr>
+        <p:style>
+          <a:lnRef idx="2">
+            <a:schemeClr val="accent1">
+              <a:shade val="50000"/>
+            </a:schemeClr>
+          </a:lnRef>
+          <a:fillRef idx="1">
+            <a:schemeClr val="accent1"/>
+          </a:fillRef>
+          <a:effectRef idx="0">
+            <a:schemeClr val="accent1"/>
+          </a:effectRef>
+          <a:fontRef idx="minor">
+            <a:schemeClr val="lt1"/>
+          </a:fontRef>
+        </p:style>
+        <p:txBody>
+          <a:bodyPr rtlCol="0" anchor="ctr"/>
+          <a:lstStyle/>
+          <a:p>
+            <a:pPr algn="ctr"/>
+            <a:endParaRPr lang="en-US"/>
+          </a:p>
+        </p:txBody>
+      </p:sp>
+      <p:sp>
+        <p:nvSpPr>
+          <p:cNvPr id="58" name="Oval 57">
+            <a:extLst>
+              <a:ext uri="{FF2B5EF4-FFF2-40B4-BE49-F238E27FC236}">
+                <a16:creationId xmlns:a16="http://schemas.microsoft.com/office/drawing/2014/main" id="{13D16939-5A9F-41F8-A2AE-75D85C1AE61E}"/>
+              </a:ext>
+            </a:extLst>
+          </p:cNvPr>
+          <p:cNvSpPr>
+            <a:spLocks noChangeAspect="1"/>
+          </p:cNvSpPr>
+          <p:nvPr/>
+        </p:nvSpPr>
+        <p:spPr>
+          <a:xfrm>
+            <a:off x="6820946" y="3385755"/>
+            <a:ext cx="182880" cy="182880"/>
+          </a:xfrm>
+          <a:prstGeom prst="ellipse">
+            <a:avLst/>
+          </a:prstGeom>
+          <a:solidFill>
+            <a:srgbClr val="FFC000">
+              <a:alpha val="25098"/>
+            </a:srgbClr>
+          </a:solidFill>
+          <a:ln w="38100">
+            <a:solidFill>
+              <a:srgbClr val="FF0000"/>
+            </a:solidFill>
+          </a:ln>
+        </p:spPr>
+        <p:style>
+          <a:lnRef idx="2">
+            <a:schemeClr val="accent1">
+              <a:shade val="50000"/>
+            </a:schemeClr>
+          </a:lnRef>
+          <a:fillRef idx="1">
+            <a:schemeClr val="accent1"/>
+          </a:fillRef>
+          <a:effectRef idx="0">
+            <a:schemeClr val="accent1"/>
+          </a:effectRef>
+          <a:fontRef idx="minor">
+            <a:schemeClr val="lt1"/>
+          </a:fontRef>
+        </p:style>
+        <p:txBody>
+          <a:bodyPr rtlCol="0" anchor="ctr"/>
+          <a:lstStyle/>
+          <a:p>
+            <a:pPr algn="ctr"/>
+            <a:endParaRPr lang="en-US"/>
+          </a:p>
+        </p:txBody>
+      </p:sp>
+      <p:sp>
+        <p:nvSpPr>
+          <p:cNvPr id="59" name="Oval 58">
+            <a:extLst>
+              <a:ext uri="{FF2B5EF4-FFF2-40B4-BE49-F238E27FC236}">
+                <a16:creationId xmlns:a16="http://schemas.microsoft.com/office/drawing/2014/main" id="{13D16939-5A9F-41F8-A2AE-75D85C1AE61E}"/>
+              </a:ext>
+            </a:extLst>
+          </p:cNvPr>
+          <p:cNvSpPr>
+            <a:spLocks noChangeAspect="1"/>
+          </p:cNvSpPr>
+          <p:nvPr/>
+        </p:nvSpPr>
+        <p:spPr>
+          <a:xfrm>
+            <a:off x="6801463" y="3207467"/>
+            <a:ext cx="182880" cy="182880"/>
+          </a:xfrm>
+          <a:prstGeom prst="ellipse">
+            <a:avLst/>
+          </a:prstGeom>
+          <a:solidFill>
+            <a:srgbClr val="FFC000">
+              <a:alpha val="25098"/>
+            </a:srgbClr>
+          </a:solidFill>
+          <a:ln w="38100">
+            <a:solidFill>
+              <a:srgbClr val="FF0000"/>
+            </a:solidFill>
+          </a:ln>
+        </p:spPr>
+        <p:style>
+          <a:lnRef idx="2">
+            <a:schemeClr val="accent1">
+              <a:shade val="50000"/>
+            </a:schemeClr>
+          </a:lnRef>
+          <a:fillRef idx="1">
+            <a:schemeClr val="accent1"/>
+          </a:fillRef>
+          <a:effectRef idx="0">
+            <a:schemeClr val="accent1"/>
+          </a:effectRef>
+          <a:fontRef idx="minor">
+            <a:schemeClr val="lt1"/>
+          </a:fontRef>
+        </p:style>
+        <p:txBody>
+          <a:bodyPr rtlCol="0" anchor="ctr"/>
+          <a:lstStyle/>
+          <a:p>
+            <a:pPr algn="ctr"/>
+            <a:endParaRPr lang="en-US"/>
+          </a:p>
+        </p:txBody>
+      </p:sp>
+      <p:sp>
+        <p:nvSpPr>
+          <p:cNvPr id="61" name="Oval 60">
+            <a:extLst>
+              <a:ext uri="{FF2B5EF4-FFF2-40B4-BE49-F238E27FC236}">
+                <a16:creationId xmlns:a16="http://schemas.microsoft.com/office/drawing/2014/main" id="{13D16939-5A9F-41F8-A2AE-75D85C1AE61E}"/>
+              </a:ext>
+            </a:extLst>
+          </p:cNvPr>
+          <p:cNvSpPr>
+            <a:spLocks noChangeAspect="1"/>
+          </p:cNvSpPr>
+          <p:nvPr/>
+        </p:nvSpPr>
+        <p:spPr>
+          <a:xfrm>
+            <a:off x="6955123" y="3115374"/>
+            <a:ext cx="182880" cy="182880"/>
+          </a:xfrm>
+          <a:prstGeom prst="ellipse">
+            <a:avLst/>
+          </a:prstGeom>
+          <a:solidFill>
+            <a:srgbClr val="FFC000">
+              <a:alpha val="25098"/>
+            </a:srgbClr>
+          </a:solidFill>
+          <a:ln w="38100">
+            <a:solidFill>
+              <a:srgbClr val="FF0000"/>
+            </a:solidFill>
+          </a:ln>
+        </p:spPr>
+        <p:style>
+          <a:lnRef idx="2">
+            <a:schemeClr val="accent1">
+              <a:shade val="50000"/>
+            </a:schemeClr>
+          </a:lnRef>
+          <a:fillRef idx="1">
+            <a:schemeClr val="accent1"/>
+          </a:fillRef>
+          <a:effectRef idx="0">
+            <a:schemeClr val="accent1"/>
+          </a:effectRef>
+          <a:fontRef idx="minor">
+            <a:schemeClr val="lt1"/>
+          </a:fontRef>
+        </p:style>
+        <p:txBody>
+          <a:bodyPr rtlCol="0" anchor="ctr"/>
+          <a:lstStyle/>
+          <a:p>
+            <a:pPr algn="ctr"/>
+            <a:endParaRPr lang="en-US"/>
+          </a:p>
+        </p:txBody>
+      </p:sp>
+      <p:sp>
+        <p:nvSpPr>
+          <p:cNvPr id="62" name="Oval 61">
+            <a:extLst>
+              <a:ext uri="{FF2B5EF4-FFF2-40B4-BE49-F238E27FC236}">
+                <a16:creationId xmlns:a16="http://schemas.microsoft.com/office/drawing/2014/main" id="{13D16939-5A9F-41F8-A2AE-75D85C1AE61E}"/>
+              </a:ext>
+            </a:extLst>
+          </p:cNvPr>
+          <p:cNvSpPr>
+            <a:spLocks noChangeAspect="1"/>
+          </p:cNvSpPr>
+          <p:nvPr/>
+        </p:nvSpPr>
+        <p:spPr>
+          <a:xfrm>
+            <a:off x="7192561" y="3064340"/>
+            <a:ext cx="182880" cy="182880"/>
+          </a:xfrm>
+          <a:prstGeom prst="ellipse">
+            <a:avLst/>
+          </a:prstGeom>
+          <a:solidFill>
+            <a:srgbClr val="FFC000">
+              <a:alpha val="25098"/>
+            </a:srgbClr>
+          </a:solidFill>
+          <a:ln w="38100">
+            <a:solidFill>
+              <a:srgbClr val="FF0000"/>
+            </a:solidFill>
+          </a:ln>
+        </p:spPr>
+        <p:style>
+          <a:lnRef idx="2">
+            <a:schemeClr val="accent1">
+              <a:shade val="50000"/>
+            </a:schemeClr>
+          </a:lnRef>
+          <a:fillRef idx="1">
+            <a:schemeClr val="accent1"/>
+          </a:fillRef>
+          <a:effectRef idx="0">
+            <a:schemeClr val="accent1"/>
+          </a:effectRef>
+          <a:fontRef idx="minor">
+            <a:schemeClr val="lt1"/>
+          </a:fontRef>
+        </p:style>
+        <p:txBody>
+          <a:bodyPr rtlCol="0" anchor="ctr"/>
+          <a:lstStyle/>
+          <a:p>
+            <a:pPr algn="ctr"/>
+            <a:endParaRPr lang="en-US"/>
+          </a:p>
+        </p:txBody>
+      </p:sp>
+      <p:sp>
+        <p:nvSpPr>
+          <p:cNvPr id="63" name="Oval 62">
+            <a:extLst>
+              <a:ext uri="{FF2B5EF4-FFF2-40B4-BE49-F238E27FC236}">
+                <a16:creationId xmlns:a16="http://schemas.microsoft.com/office/drawing/2014/main" id="{13D16939-5A9F-41F8-A2AE-75D85C1AE61E}"/>
+              </a:ext>
+            </a:extLst>
+          </p:cNvPr>
+          <p:cNvSpPr>
+            <a:spLocks noChangeAspect="1"/>
+          </p:cNvSpPr>
+          <p:nvPr/>
+        </p:nvSpPr>
+        <p:spPr>
+          <a:xfrm>
+            <a:off x="7368579" y="2988627"/>
+            <a:ext cx="182880" cy="182880"/>
+          </a:xfrm>
+          <a:prstGeom prst="ellipse">
+            <a:avLst/>
+          </a:prstGeom>
+          <a:solidFill>
+            <a:srgbClr val="FFC000">
+              <a:alpha val="25098"/>
+            </a:srgbClr>
+          </a:solidFill>
+          <a:ln w="38100">
+            <a:solidFill>
+              <a:srgbClr val="FF0000"/>
+            </a:solidFill>
+          </a:ln>
+        </p:spPr>
+        <p:style>
+          <a:lnRef idx="2">
+            <a:schemeClr val="accent1">
+              <a:shade val="50000"/>
+            </a:schemeClr>
+          </a:lnRef>
+          <a:fillRef idx="1">
+            <a:schemeClr val="accent1"/>
+          </a:fillRef>
+          <a:effectRef idx="0">
+            <a:schemeClr val="accent1"/>
+          </a:effectRef>
+          <a:fontRef idx="minor">
+            <a:schemeClr val="lt1"/>
+          </a:fontRef>
+        </p:style>
+        <p:txBody>
+          <a:bodyPr rtlCol="0" anchor="ctr"/>
+          <a:lstStyle/>
+          <a:p>
+            <a:pPr algn="ctr"/>
+            <a:endParaRPr lang="en-US"/>
+          </a:p>
+        </p:txBody>
+      </p:sp>
+      <p:sp>
+        <p:nvSpPr>
+          <p:cNvPr id="64" name="Oval 63">
+            <a:extLst>
+              <a:ext uri="{FF2B5EF4-FFF2-40B4-BE49-F238E27FC236}">
+                <a16:creationId xmlns:a16="http://schemas.microsoft.com/office/drawing/2014/main" id="{13D16939-5A9F-41F8-A2AE-75D85C1AE61E}"/>
+              </a:ext>
+            </a:extLst>
+          </p:cNvPr>
+          <p:cNvSpPr>
+            <a:spLocks noChangeAspect="1"/>
+          </p:cNvSpPr>
+          <p:nvPr/>
+        </p:nvSpPr>
+        <p:spPr>
+          <a:xfrm>
+            <a:off x="7582724" y="2897187"/>
+            <a:ext cx="182880" cy="182880"/>
+          </a:xfrm>
+          <a:prstGeom prst="ellipse">
+            <a:avLst/>
+          </a:prstGeom>
+          <a:solidFill>
+            <a:srgbClr val="FFC000">
+              <a:alpha val="25098"/>
+            </a:srgbClr>
+          </a:solidFill>
+          <a:ln w="38100">
+            <a:solidFill>
+              <a:srgbClr val="FF0000"/>
+            </a:solidFill>
+          </a:ln>
+        </p:spPr>
+        <p:style>
+          <a:lnRef idx="2">
+            <a:schemeClr val="accent1">
+              <a:shade val="50000"/>
+            </a:schemeClr>
+          </a:lnRef>
+          <a:fillRef idx="1">
+            <a:schemeClr val="accent1"/>
+          </a:fillRef>
+          <a:effectRef idx="0">
+            <a:schemeClr val="accent1"/>
+          </a:effectRef>
+          <a:fontRef idx="minor">
+            <a:schemeClr val="lt1"/>
+          </a:fontRef>
+        </p:style>
+        <p:txBody>
+          <a:bodyPr rtlCol="0" anchor="ctr"/>
+          <a:lstStyle/>
+          <a:p>
+            <a:pPr algn="ctr"/>
+            <a:endParaRPr lang="en-US"/>
+          </a:p>
+        </p:txBody>
+      </p:sp>
+      <p:sp>
+        <p:nvSpPr>
+          <p:cNvPr id="65" name="Oval 64">
+            <a:extLst>
+              <a:ext uri="{FF2B5EF4-FFF2-40B4-BE49-F238E27FC236}">
+                <a16:creationId xmlns:a16="http://schemas.microsoft.com/office/drawing/2014/main" id="{13D16939-5A9F-41F8-A2AE-75D85C1AE61E}"/>
+              </a:ext>
+            </a:extLst>
+          </p:cNvPr>
+          <p:cNvSpPr>
+            <a:spLocks noChangeAspect="1"/>
+          </p:cNvSpPr>
+          <p:nvPr/>
+        </p:nvSpPr>
+        <p:spPr>
+          <a:xfrm>
+            <a:off x="7741318" y="2812682"/>
+            <a:ext cx="182880" cy="182880"/>
+          </a:xfrm>
+          <a:prstGeom prst="ellipse">
+            <a:avLst/>
+          </a:prstGeom>
+          <a:solidFill>
+            <a:srgbClr val="FFC000">
+              <a:alpha val="25098"/>
+            </a:srgbClr>
+          </a:solidFill>
+          <a:ln w="38100">
+            <a:solidFill>
+              <a:srgbClr val="FF0000"/>
+            </a:solidFill>
+          </a:ln>
+        </p:spPr>
+        <p:style>
+          <a:lnRef idx="2">
+            <a:schemeClr val="accent1">
+              <a:shade val="50000"/>
+            </a:schemeClr>
+          </a:lnRef>
+          <a:fillRef idx="1">
+            <a:schemeClr val="accent1"/>
+          </a:fillRef>
+          <a:effectRef idx="0">
+            <a:schemeClr val="accent1"/>
+          </a:effectRef>
+          <a:fontRef idx="minor">
+            <a:schemeClr val="lt1"/>
+          </a:fontRef>
+        </p:style>
+        <p:txBody>
+          <a:bodyPr rtlCol="0" anchor="ctr"/>
+          <a:lstStyle/>
+          <a:p>
+            <a:pPr algn="ctr"/>
+            <a:endParaRPr lang="en-US"/>
+          </a:p>
+        </p:txBody>
+      </p:sp>
+      <p:sp>
+        <p:nvSpPr>
+          <p:cNvPr id="66" name="Oval 65">
+            <a:extLst>
+              <a:ext uri="{FF2B5EF4-FFF2-40B4-BE49-F238E27FC236}">
+                <a16:creationId xmlns:a16="http://schemas.microsoft.com/office/drawing/2014/main" id="{13D16939-5A9F-41F8-A2AE-75D85C1AE61E}"/>
+              </a:ext>
+            </a:extLst>
+          </p:cNvPr>
+          <p:cNvSpPr>
+            <a:spLocks noChangeAspect="1"/>
+          </p:cNvSpPr>
+          <p:nvPr/>
+        </p:nvSpPr>
+        <p:spPr>
+          <a:xfrm>
+            <a:off x="7886632" y="2616646"/>
+            <a:ext cx="182880" cy="182880"/>
+          </a:xfrm>
+          <a:prstGeom prst="ellipse">
+            <a:avLst/>
+          </a:prstGeom>
+          <a:solidFill>
+            <a:srgbClr val="FFC000">
+              <a:alpha val="25098"/>
+            </a:srgbClr>
+          </a:solidFill>
+          <a:ln w="38100">
+            <a:solidFill>
+              <a:srgbClr val="FF0000"/>
+            </a:solidFill>
+          </a:ln>
+        </p:spPr>
+        <p:style>
+          <a:lnRef idx="2">
+            <a:schemeClr val="accent1">
+              <a:shade val="50000"/>
+            </a:schemeClr>
+          </a:lnRef>
+          <a:fillRef idx="1">
+            <a:schemeClr val="accent1"/>
+          </a:fillRef>
+          <a:effectRef idx="0">
+            <a:schemeClr val="accent1"/>
+          </a:effectRef>
+          <a:fontRef idx="minor">
+            <a:schemeClr val="lt1"/>
+          </a:fontRef>
+        </p:style>
+        <p:txBody>
+          <a:bodyPr rtlCol="0" anchor="ctr"/>
+          <a:lstStyle/>
+          <a:p>
+            <a:pPr algn="ctr"/>
+            <a:endParaRPr lang="en-US"/>
+          </a:p>
+        </p:txBody>
+      </p:sp>
+    </p:spTree>
+    <p:extLst>
+      <p:ext uri="{BB962C8B-B14F-4D97-AF65-F5344CB8AC3E}">
+        <p14:creationId xmlns:p14="http://schemas.microsoft.com/office/powerpoint/2010/main" val="3165753068"/>
+      </p:ext>
+    </p:extLst>
+  </p:cSld>
+  <p:clrMapOvr>
+    <a:masterClrMapping/>
+  </p:clrMapOvr>
+</p:sld>
+</file>
+
+<file path=ppt/slides/slide6.xml><?xml version="1.0" encoding="utf-8"?>
+<p:sld xmlns:a="http://schemas.openxmlformats.org/drawingml/2006/main" xmlns:r="http://schemas.openxmlformats.org/officeDocument/2006/relationships" xmlns:p="http://schemas.openxmlformats.org/presentationml/2006/main">
+  <p:cSld>
+    <p:spTree>
+      <p:nvGrpSpPr>
+        <p:cNvPr id="1" name=""/>
+        <p:cNvGrpSpPr/>
+        <p:nvPr/>
+      </p:nvGrpSpPr>
+      <p:grpSpPr>
+        <a:xfrm>
+          <a:off x="0" y="0"/>
+          <a:ext cx="0" cy="0"/>
+          <a:chOff x="0" y="0"/>
+          <a:chExt cx="0" cy="0"/>
+        </a:xfrm>
+      </p:grpSpPr>
+      <p:grpSp>
+        <p:nvGrpSpPr>
+          <p:cNvPr id="20" name="Group 19"/>
+          <p:cNvGrpSpPr/>
+          <p:nvPr/>
+        </p:nvGrpSpPr>
+        <p:grpSpPr>
+          <a:xfrm>
+            <a:off x="2254272" y="4257930"/>
+            <a:ext cx="1371600" cy="1371600"/>
+            <a:chOff x="2254272" y="4257930"/>
+            <a:chExt cx="1371600" cy="1371600"/>
+          </a:xfrm>
+        </p:grpSpPr>
+        <p:sp>
+          <p:nvSpPr>
+            <p:cNvPr id="16" name="Oval 15">
+              <a:extLst>
+                <a:ext uri="{FF2B5EF4-FFF2-40B4-BE49-F238E27FC236}">
+                  <a16:creationId xmlns:a16="http://schemas.microsoft.com/office/drawing/2014/main" id="{D5A2137A-7F4E-46D9-BC24-561646AC6D39}"/>
+                </a:ext>
+              </a:extLst>
+            </p:cNvPr>
+            <p:cNvSpPr/>
+            <p:nvPr/>
+          </p:nvSpPr>
+          <p:spPr>
+            <a:xfrm>
+              <a:off x="2482872" y="4486530"/>
+              <a:ext cx="914400" cy="914400"/>
+            </a:xfrm>
+            <a:prstGeom prst="ellipse">
+              <a:avLst/>
+            </a:prstGeom>
+            <a:noFill/>
+            <a:ln w="38100">
+              <a:solidFill>
+                <a:schemeClr val="accent4">
+                  <a:lumMod val="40000"/>
+                  <a:lumOff val="60000"/>
+                </a:schemeClr>
+              </a:solidFill>
+            </a:ln>
+          </p:spPr>
+          <p:style>
+            <a:lnRef idx="2">
+              <a:schemeClr val="accent1">
+                <a:shade val="50000"/>
+              </a:schemeClr>
+            </a:lnRef>
+            <a:fillRef idx="1">
+              <a:schemeClr val="accent1"/>
+            </a:fillRef>
+            <a:effectRef idx="0">
+              <a:schemeClr val="accent1"/>
+            </a:effectRef>
+            <a:fontRef idx="minor">
+              <a:schemeClr val="lt1"/>
+            </a:fontRef>
+          </p:style>
+          <p:txBody>
+            <a:bodyPr rtlCol="0" anchor="ctr"/>
+            <a:lstStyle/>
+            <a:p>
+              <a:pPr algn="ctr"/>
+              <a:endParaRPr lang="en-US"/>
+            </a:p>
+          </p:txBody>
+        </p:sp>
+        <p:sp>
+          <p:nvSpPr>
+            <p:cNvPr id="17" name="Oval 16">
+              <a:extLst>
+                <a:ext uri="{FF2B5EF4-FFF2-40B4-BE49-F238E27FC236}">
+                  <a16:creationId xmlns:a16="http://schemas.microsoft.com/office/drawing/2014/main" id="{B7424242-DF50-40FD-95C8-1E3ADB6BA062}"/>
+                </a:ext>
+              </a:extLst>
+            </p:cNvPr>
+            <p:cNvSpPr>
+              <a:spLocks noChangeAspect="1"/>
+            </p:cNvSpPr>
+            <p:nvPr/>
+          </p:nvSpPr>
+          <p:spPr>
+            <a:xfrm>
+              <a:off x="2391432" y="4395090"/>
+              <a:ext cx="1097280" cy="1097280"/>
+            </a:xfrm>
+            <a:prstGeom prst="ellipse">
+              <a:avLst/>
+            </a:prstGeom>
+            <a:noFill/>
+            <a:ln w="38100">
+              <a:solidFill>
+                <a:schemeClr val="accent4">
+                  <a:lumMod val="60000"/>
+                  <a:lumOff val="40000"/>
+                </a:schemeClr>
+              </a:solidFill>
+            </a:ln>
+          </p:spPr>
+          <p:style>
+            <a:lnRef idx="2">
+              <a:schemeClr val="accent1">
+                <a:shade val="50000"/>
+              </a:schemeClr>
+            </a:lnRef>
+            <a:fillRef idx="1">
+              <a:schemeClr val="accent1"/>
+            </a:fillRef>
+            <a:effectRef idx="0">
+              <a:schemeClr val="accent1"/>
+            </a:effectRef>
+            <a:fontRef idx="minor">
+              <a:schemeClr val="lt1"/>
+            </a:fontRef>
+          </p:style>
+          <p:txBody>
+            <a:bodyPr rtlCol="0" anchor="ctr"/>
+            <a:lstStyle/>
+            <a:p>
+              <a:pPr algn="ctr"/>
+              <a:endParaRPr lang="en-US"/>
+            </a:p>
+          </p:txBody>
+        </p:sp>
+        <p:sp>
+          <p:nvSpPr>
+            <p:cNvPr id="18" name="Oval 17">
+              <a:extLst>
+                <a:ext uri="{FF2B5EF4-FFF2-40B4-BE49-F238E27FC236}">
+                  <a16:creationId xmlns:a16="http://schemas.microsoft.com/office/drawing/2014/main" id="{D6191D2B-EB79-4EFC-B925-29EF33413AAC}"/>
+                </a:ext>
+              </a:extLst>
+            </p:cNvPr>
+            <p:cNvSpPr>
+              <a:spLocks noChangeAspect="1"/>
+            </p:cNvSpPr>
+            <p:nvPr/>
+          </p:nvSpPr>
+          <p:spPr>
+            <a:xfrm>
+              <a:off x="2254272" y="4257930"/>
+              <a:ext cx="1371600" cy="1371600"/>
+            </a:xfrm>
+            <a:prstGeom prst="ellipse">
+              <a:avLst/>
+            </a:prstGeom>
+            <a:noFill/>
+            <a:ln w="38100">
+              <a:solidFill>
+                <a:schemeClr val="accent4">
+                  <a:lumMod val="75000"/>
+                </a:schemeClr>
+              </a:solidFill>
+            </a:ln>
+          </p:spPr>
+          <p:style>
+            <a:lnRef idx="2">
+              <a:schemeClr val="accent1">
+                <a:shade val="50000"/>
+              </a:schemeClr>
+            </a:lnRef>
+            <a:fillRef idx="1">
+              <a:schemeClr val="accent1"/>
+            </a:fillRef>
+            <a:effectRef idx="0">
+              <a:schemeClr val="accent1"/>
+            </a:effectRef>
+            <a:fontRef idx="minor">
+              <a:schemeClr val="lt1"/>
+            </a:fontRef>
+          </p:style>
+          <p:txBody>
+            <a:bodyPr rtlCol="0" anchor="ctr"/>
+            <a:lstStyle/>
+            <a:p>
+              <a:pPr algn="ctr"/>
+              <a:endParaRPr lang="en-US"/>
+            </a:p>
+          </p:txBody>
+        </p:sp>
+      </p:grpSp>
+      <p:sp>
+        <p:nvSpPr>
+          <p:cNvPr id="19" name="Oval 18">
+            <a:extLst>
+              <a:ext uri="{FF2B5EF4-FFF2-40B4-BE49-F238E27FC236}">
+                <a16:creationId xmlns:a16="http://schemas.microsoft.com/office/drawing/2014/main" id="{13D16939-5A9F-41F8-A2AE-75D85C1AE61E}"/>
+              </a:ext>
+            </a:extLst>
+          </p:cNvPr>
+          <p:cNvSpPr>
+            <a:spLocks noChangeAspect="1"/>
+          </p:cNvSpPr>
+          <p:nvPr/>
+        </p:nvSpPr>
+        <p:spPr>
+          <a:xfrm>
+            <a:off x="2848632" y="4852290"/>
+            <a:ext cx="182880" cy="182880"/>
+          </a:xfrm>
+          <a:prstGeom prst="ellipse">
+            <a:avLst/>
+          </a:prstGeom>
+          <a:solidFill>
+            <a:srgbClr val="FFC000">
+              <a:alpha val="25098"/>
+            </a:srgbClr>
+          </a:solidFill>
+          <a:ln w="38100">
+            <a:solidFill>
+              <a:srgbClr val="FF0000"/>
+            </a:solidFill>
+          </a:ln>
+        </p:spPr>
+        <p:style>
+          <a:lnRef idx="2">
+            <a:schemeClr val="accent1">
+              <a:shade val="50000"/>
+            </a:schemeClr>
+          </a:lnRef>
+          <a:fillRef idx="1">
+            <a:schemeClr val="accent1"/>
+          </a:fillRef>
+          <a:effectRef idx="0">
+            <a:schemeClr val="accent1"/>
+          </a:effectRef>
+          <a:fontRef idx="minor">
+            <a:schemeClr val="lt1"/>
+          </a:fontRef>
+        </p:style>
+        <p:txBody>
+          <a:bodyPr rtlCol="0" anchor="ctr"/>
+          <a:lstStyle/>
+          <a:p>
+            <a:pPr algn="ctr"/>
+            <a:endParaRPr lang="en-US"/>
+          </a:p>
+        </p:txBody>
+      </p:sp>
+      <p:sp>
+        <p:nvSpPr>
+          <p:cNvPr id="2" name="Oval 1">
+            <a:extLst>
+              <a:ext uri="{FF2B5EF4-FFF2-40B4-BE49-F238E27FC236}">
+                <a16:creationId xmlns:a16="http://schemas.microsoft.com/office/drawing/2014/main" id="{13D16939-5A9F-41F8-A2AE-75D85C1AE61E}"/>
+              </a:ext>
+            </a:extLst>
+          </p:cNvPr>
+          <p:cNvSpPr>
+            <a:spLocks noChangeAspect="1"/>
+          </p:cNvSpPr>
+          <p:nvPr/>
+        </p:nvSpPr>
+        <p:spPr>
+          <a:xfrm>
+            <a:off x="2801007" y="5766690"/>
+            <a:ext cx="182880" cy="182880"/>
+          </a:xfrm>
+          <a:prstGeom prst="ellipse">
+            <a:avLst/>
+          </a:prstGeom>
+          <a:solidFill>
+            <a:srgbClr val="FFC000">
+              <a:alpha val="25098"/>
+            </a:srgbClr>
+          </a:solidFill>
+          <a:ln w="38100">
+            <a:solidFill>
+              <a:srgbClr val="FF0000"/>
+            </a:solidFill>
+          </a:ln>
+        </p:spPr>
+        <p:style>
+          <a:lnRef idx="2">
+            <a:schemeClr val="accent1">
+              <a:shade val="50000"/>
+            </a:schemeClr>
+          </a:lnRef>
+          <a:fillRef idx="1">
+            <a:schemeClr val="accent1"/>
+          </a:fillRef>
+          <a:effectRef idx="0">
+            <a:schemeClr val="accent1"/>
+          </a:effectRef>
+          <a:fontRef idx="minor">
+            <a:schemeClr val="lt1"/>
+          </a:fontRef>
+        </p:style>
+        <p:txBody>
+          <a:bodyPr rtlCol="0" anchor="ctr"/>
+          <a:lstStyle/>
+          <a:p>
+            <a:pPr algn="ctr"/>
+            <a:endParaRPr lang="en-US"/>
+          </a:p>
+        </p:txBody>
+      </p:sp>
+      <p:sp>
+        <p:nvSpPr>
+          <p:cNvPr id="3" name="Oval 2">
+            <a:extLst>
+              <a:ext uri="{FF2B5EF4-FFF2-40B4-BE49-F238E27FC236}">
+                <a16:creationId xmlns:a16="http://schemas.microsoft.com/office/drawing/2014/main" id="{13D16939-5A9F-41F8-A2AE-75D85C1AE61E}"/>
+              </a:ext>
+            </a:extLst>
+          </p:cNvPr>
+          <p:cNvSpPr>
+            <a:spLocks noChangeAspect="1"/>
+          </p:cNvSpPr>
+          <p:nvPr/>
+        </p:nvSpPr>
+        <p:spPr>
+          <a:xfrm>
+            <a:off x="2801007" y="6058894"/>
+            <a:ext cx="182880" cy="182880"/>
+          </a:xfrm>
+          <a:prstGeom prst="ellipse">
+            <a:avLst/>
+          </a:prstGeom>
+          <a:solidFill>
+            <a:srgbClr val="FFC000">
+              <a:alpha val="25098"/>
+            </a:srgbClr>
+          </a:solidFill>
+          <a:ln w="38100">
+            <a:solidFill>
+              <a:srgbClr val="FF0000"/>
+            </a:solidFill>
+          </a:ln>
+        </p:spPr>
+        <p:style>
+          <a:lnRef idx="2">
+            <a:schemeClr val="accent1">
+              <a:shade val="50000"/>
+            </a:schemeClr>
+          </a:lnRef>
+          <a:fillRef idx="1">
+            <a:schemeClr val="accent1"/>
+          </a:fillRef>
+          <a:effectRef idx="0">
+            <a:schemeClr val="accent1"/>
+          </a:effectRef>
+          <a:fontRef idx="minor">
+            <a:schemeClr val="lt1"/>
+          </a:fontRef>
+        </p:style>
+        <p:txBody>
+          <a:bodyPr rtlCol="0" anchor="ctr"/>
+          <a:lstStyle/>
+          <a:p>
+            <a:pPr algn="ctr"/>
+            <a:endParaRPr lang="en-US"/>
+          </a:p>
+        </p:txBody>
+      </p:sp>
+      <p:sp>
+        <p:nvSpPr>
+          <p:cNvPr id="4" name="Oval 3">
+            <a:extLst>
+              <a:ext uri="{FF2B5EF4-FFF2-40B4-BE49-F238E27FC236}">
+                <a16:creationId xmlns:a16="http://schemas.microsoft.com/office/drawing/2014/main" id="{13D16939-5A9F-41F8-A2AE-75D85C1AE61E}"/>
+              </a:ext>
+            </a:extLst>
+          </p:cNvPr>
+          <p:cNvSpPr>
+            <a:spLocks noChangeAspect="1"/>
+          </p:cNvSpPr>
+          <p:nvPr/>
+        </p:nvSpPr>
+        <p:spPr>
+          <a:xfrm>
+            <a:off x="3867652" y="7665507"/>
+            <a:ext cx="182880" cy="182880"/>
+          </a:xfrm>
+          <a:prstGeom prst="ellipse">
+            <a:avLst/>
+          </a:prstGeom>
+          <a:solidFill>
+            <a:srgbClr val="FFC000">
+              <a:alpha val="25098"/>
+            </a:srgbClr>
+          </a:solidFill>
+          <a:ln w="38100">
+            <a:solidFill>
+              <a:srgbClr val="FF0000"/>
+            </a:solidFill>
+          </a:ln>
+        </p:spPr>
+        <p:style>
+          <a:lnRef idx="2">
+            <a:schemeClr val="accent1">
+              <a:shade val="50000"/>
+            </a:schemeClr>
+          </a:lnRef>
+          <a:fillRef idx="1">
+            <a:schemeClr val="accent1"/>
+          </a:fillRef>
+          <a:effectRef idx="0">
+            <a:schemeClr val="accent1"/>
+          </a:effectRef>
+          <a:fontRef idx="minor">
+            <a:schemeClr val="lt1"/>
+          </a:fontRef>
+        </p:style>
+        <p:txBody>
+          <a:bodyPr rtlCol="0" anchor="ctr"/>
+          <a:lstStyle/>
+          <a:p>
+            <a:pPr algn="ctr"/>
+            <a:endParaRPr lang="en-US"/>
+          </a:p>
+        </p:txBody>
+      </p:sp>
+      <p:sp>
+        <p:nvSpPr>
+          <p:cNvPr id="5" name="Oval 4">
+            <a:extLst>
+              <a:ext uri="{FF2B5EF4-FFF2-40B4-BE49-F238E27FC236}">
+                <a16:creationId xmlns:a16="http://schemas.microsoft.com/office/drawing/2014/main" id="{13D16939-5A9F-41F8-A2AE-75D85C1AE61E}"/>
+              </a:ext>
+            </a:extLst>
+          </p:cNvPr>
+          <p:cNvSpPr>
+            <a:spLocks noChangeAspect="1"/>
+          </p:cNvSpPr>
+          <p:nvPr/>
+        </p:nvSpPr>
+        <p:spPr>
+          <a:xfrm>
+            <a:off x="3995059" y="7702400"/>
+            <a:ext cx="182880" cy="182880"/>
+          </a:xfrm>
+          <a:prstGeom prst="ellipse">
+            <a:avLst/>
+          </a:prstGeom>
+          <a:solidFill>
+            <a:srgbClr val="FFC000">
+              <a:alpha val="25098"/>
+            </a:srgbClr>
+          </a:solidFill>
+          <a:ln w="38100">
+            <a:solidFill>
+              <a:srgbClr val="FF0000"/>
+            </a:solidFill>
+          </a:ln>
+        </p:spPr>
+        <p:style>
+          <a:lnRef idx="2">
+            <a:schemeClr val="accent1">
+              <a:shade val="50000"/>
+            </a:schemeClr>
+          </a:lnRef>
+          <a:fillRef idx="1">
+            <a:schemeClr val="accent1"/>
+          </a:fillRef>
+          <a:effectRef idx="0">
+            <a:schemeClr val="accent1"/>
+          </a:effectRef>
+          <a:fontRef idx="minor">
+            <a:schemeClr val="lt1"/>
+          </a:fontRef>
+        </p:style>
+        <p:txBody>
+          <a:bodyPr rtlCol="0" anchor="ctr"/>
+          <a:lstStyle/>
+          <a:p>
+            <a:pPr algn="ctr"/>
+            <a:endParaRPr lang="en-US"/>
+          </a:p>
+        </p:txBody>
+      </p:sp>
+      <p:sp>
+        <p:nvSpPr>
+          <p:cNvPr id="6" name="Oval 5">
+            <a:extLst>
+              <a:ext uri="{FF2B5EF4-FFF2-40B4-BE49-F238E27FC236}">
+                <a16:creationId xmlns:a16="http://schemas.microsoft.com/office/drawing/2014/main" id="{13D16939-5A9F-41F8-A2AE-75D85C1AE61E}"/>
+              </a:ext>
+            </a:extLst>
+          </p:cNvPr>
+          <p:cNvSpPr>
+            <a:spLocks noChangeAspect="1"/>
+          </p:cNvSpPr>
+          <p:nvPr/>
+        </p:nvSpPr>
+        <p:spPr>
+          <a:xfrm>
+            <a:off x="3639052" y="7512894"/>
+            <a:ext cx="182880" cy="182880"/>
+          </a:xfrm>
+          <a:prstGeom prst="ellipse">
+            <a:avLst/>
+          </a:prstGeom>
+          <a:solidFill>
+            <a:srgbClr val="FFC000">
+              <a:alpha val="25098"/>
+            </a:srgbClr>
+          </a:solidFill>
+          <a:ln w="38100">
+            <a:solidFill>
+              <a:srgbClr val="FF0000"/>
+            </a:solidFill>
+          </a:ln>
+        </p:spPr>
+        <p:style>
+          <a:lnRef idx="2">
+            <a:schemeClr val="accent1">
+              <a:shade val="50000"/>
+            </a:schemeClr>
+          </a:lnRef>
+          <a:fillRef idx="1">
+            <a:schemeClr val="accent1"/>
+          </a:fillRef>
+          <a:effectRef idx="0">
+            <a:schemeClr val="accent1"/>
+          </a:effectRef>
+          <a:fontRef idx="minor">
+            <a:schemeClr val="lt1"/>
+          </a:fontRef>
+        </p:style>
+        <p:txBody>
+          <a:bodyPr rtlCol="0" anchor="ctr"/>
+          <a:lstStyle/>
+          <a:p>
+            <a:pPr algn="ctr"/>
+            <a:endParaRPr lang="en-US"/>
+          </a:p>
+        </p:txBody>
+      </p:sp>
+      <p:sp>
+        <p:nvSpPr>
+          <p:cNvPr id="7" name="Oval 6">
+            <a:extLst>
+              <a:ext uri="{FF2B5EF4-FFF2-40B4-BE49-F238E27FC236}">
+                <a16:creationId xmlns:a16="http://schemas.microsoft.com/office/drawing/2014/main" id="{13D16939-5A9F-41F8-A2AE-75D85C1AE61E}"/>
+              </a:ext>
+            </a:extLst>
+          </p:cNvPr>
+          <p:cNvSpPr>
+            <a:spLocks noChangeAspect="1"/>
+          </p:cNvSpPr>
+          <p:nvPr/>
+        </p:nvSpPr>
+        <p:spPr>
+          <a:xfrm>
+            <a:off x="3485403" y="7300736"/>
+            <a:ext cx="182880" cy="182880"/>
+          </a:xfrm>
+          <a:prstGeom prst="ellipse">
+            <a:avLst/>
+          </a:prstGeom>
+          <a:solidFill>
+            <a:srgbClr val="FFC000">
+              <a:alpha val="25098"/>
+            </a:srgbClr>
+          </a:solidFill>
+          <a:ln w="38100">
+            <a:solidFill>
+              <a:srgbClr val="FF0000"/>
+            </a:solidFill>
+          </a:ln>
+        </p:spPr>
+        <p:style>
+          <a:lnRef idx="2">
+            <a:schemeClr val="accent1">
+              <a:shade val="50000"/>
+            </a:schemeClr>
+          </a:lnRef>
+          <a:fillRef idx="1">
+            <a:schemeClr val="accent1"/>
+          </a:fillRef>
+          <a:effectRef idx="0">
+            <a:schemeClr val="accent1"/>
+          </a:effectRef>
+          <a:fontRef idx="minor">
+            <a:schemeClr val="lt1"/>
+          </a:fontRef>
+        </p:style>
+        <p:txBody>
+          <a:bodyPr rtlCol="0" anchor="ctr"/>
+          <a:lstStyle/>
+          <a:p>
+            <a:pPr algn="ctr"/>
+            <a:endParaRPr lang="en-US"/>
+          </a:p>
+        </p:txBody>
+      </p:sp>
+      <p:sp>
+        <p:nvSpPr>
+          <p:cNvPr id="8" name="Oval 7">
+            <a:extLst>
+              <a:ext uri="{FF2B5EF4-FFF2-40B4-BE49-F238E27FC236}">
+                <a16:creationId xmlns:a16="http://schemas.microsoft.com/office/drawing/2014/main" id="{13D16939-5A9F-41F8-A2AE-75D85C1AE61E}"/>
+              </a:ext>
+            </a:extLst>
+          </p:cNvPr>
+          <p:cNvSpPr>
+            <a:spLocks noChangeAspect="1"/>
+          </p:cNvSpPr>
+          <p:nvPr/>
+        </p:nvSpPr>
+        <p:spPr>
+          <a:xfrm>
+            <a:off x="3390655" y="7019572"/>
+            <a:ext cx="182880" cy="182880"/>
+          </a:xfrm>
+          <a:prstGeom prst="ellipse">
+            <a:avLst/>
+          </a:prstGeom>
+          <a:solidFill>
+            <a:srgbClr val="FFC000">
+              <a:alpha val="25098"/>
+            </a:srgbClr>
+          </a:solidFill>
+          <a:ln w="38100">
+            <a:solidFill>
+              <a:srgbClr val="FF0000"/>
+            </a:solidFill>
+          </a:ln>
+        </p:spPr>
+        <p:style>
+          <a:lnRef idx="2">
+            <a:schemeClr val="accent1">
+              <a:shade val="50000"/>
+            </a:schemeClr>
+          </a:lnRef>
+          <a:fillRef idx="1">
+            <a:schemeClr val="accent1"/>
+          </a:fillRef>
+          <a:effectRef idx="0">
+            <a:schemeClr val="accent1"/>
+          </a:effectRef>
+          <a:fontRef idx="minor">
+            <a:schemeClr val="lt1"/>
+          </a:fontRef>
+        </p:style>
+        <p:txBody>
+          <a:bodyPr rtlCol="0" anchor="ctr"/>
+          <a:lstStyle/>
+          <a:p>
+            <a:pPr algn="ctr"/>
+            <a:endParaRPr lang="en-US"/>
+          </a:p>
+        </p:txBody>
+      </p:sp>
+      <p:sp>
+        <p:nvSpPr>
+          <p:cNvPr id="9" name="Oval 8">
+            <a:extLst>
+              <a:ext uri="{FF2B5EF4-FFF2-40B4-BE49-F238E27FC236}">
+                <a16:creationId xmlns:a16="http://schemas.microsoft.com/office/drawing/2014/main" id="{13D16939-5A9F-41F8-A2AE-75D85C1AE61E}"/>
+              </a:ext>
+            </a:extLst>
+          </p:cNvPr>
+          <p:cNvSpPr>
+            <a:spLocks noChangeAspect="1"/>
+          </p:cNvSpPr>
+          <p:nvPr/>
+        </p:nvSpPr>
+        <p:spPr>
+          <a:xfrm>
+            <a:off x="3207775" y="6717186"/>
+            <a:ext cx="182880" cy="182880"/>
+          </a:xfrm>
+          <a:prstGeom prst="ellipse">
+            <a:avLst/>
+          </a:prstGeom>
+          <a:solidFill>
+            <a:srgbClr val="FFC000">
+              <a:alpha val="25098"/>
+            </a:srgbClr>
+          </a:solidFill>
+          <a:ln w="38100">
+            <a:solidFill>
+              <a:srgbClr val="FF0000"/>
+            </a:solidFill>
+          </a:ln>
+        </p:spPr>
+        <p:style>
+          <a:lnRef idx="2">
+            <a:schemeClr val="accent1">
+              <a:shade val="50000"/>
+            </a:schemeClr>
+          </a:lnRef>
+          <a:fillRef idx="1">
+            <a:schemeClr val="accent1"/>
+          </a:fillRef>
+          <a:effectRef idx="0">
+            <a:schemeClr val="accent1"/>
+          </a:effectRef>
+          <a:fontRef idx="minor">
+            <a:schemeClr val="lt1"/>
+          </a:fontRef>
+        </p:style>
+        <p:txBody>
+          <a:bodyPr rtlCol="0" anchor="ctr"/>
+          <a:lstStyle/>
+          <a:p>
+            <a:pPr algn="ctr"/>
+            <a:endParaRPr lang="en-US"/>
+          </a:p>
+        </p:txBody>
+      </p:sp>
+      <p:sp>
+        <p:nvSpPr>
+          <p:cNvPr id="10" name="Oval 9">
+            <a:extLst>
+              <a:ext uri="{FF2B5EF4-FFF2-40B4-BE49-F238E27FC236}">
+                <a16:creationId xmlns:a16="http://schemas.microsoft.com/office/drawing/2014/main" id="{13D16939-5A9F-41F8-A2AE-75D85C1AE61E}"/>
+              </a:ext>
+            </a:extLst>
+          </p:cNvPr>
+          <p:cNvSpPr>
+            <a:spLocks noChangeAspect="1"/>
+          </p:cNvSpPr>
+          <p:nvPr/>
+        </p:nvSpPr>
+        <p:spPr>
+          <a:xfrm>
+            <a:off x="3024895" y="6491345"/>
+            <a:ext cx="182880" cy="182880"/>
+          </a:xfrm>
+          <a:prstGeom prst="ellipse">
+            <a:avLst/>
+          </a:prstGeom>
+          <a:solidFill>
+            <a:srgbClr val="FFC000">
+              <a:alpha val="25098"/>
+            </a:srgbClr>
+          </a:solidFill>
+          <a:ln w="38100">
+            <a:solidFill>
+              <a:srgbClr val="FF0000"/>
+            </a:solidFill>
+          </a:ln>
+        </p:spPr>
+        <p:style>
+          <a:lnRef idx="2">
+            <a:schemeClr val="accent1">
+              <a:shade val="50000"/>
+            </a:schemeClr>
+          </a:lnRef>
+          <a:fillRef idx="1">
+            <a:schemeClr val="accent1"/>
+          </a:fillRef>
+          <a:effectRef idx="0">
+            <a:schemeClr val="accent1"/>
+          </a:effectRef>
+          <a:fontRef idx="minor">
+            <a:schemeClr val="lt1"/>
+          </a:fontRef>
+        </p:style>
+        <p:txBody>
+          <a:bodyPr rtlCol="0" anchor="ctr"/>
+          <a:lstStyle/>
+          <a:p>
+            <a:pPr algn="ctr"/>
+            <a:endParaRPr lang="en-US"/>
+          </a:p>
+        </p:txBody>
+      </p:sp>
+      <p:sp>
+        <p:nvSpPr>
+          <p:cNvPr id="11" name="Oval 10">
+            <a:extLst>
+              <a:ext uri="{FF2B5EF4-FFF2-40B4-BE49-F238E27FC236}">
+                <a16:creationId xmlns:a16="http://schemas.microsoft.com/office/drawing/2014/main" id="{13D16939-5A9F-41F8-A2AE-75D85C1AE61E}"/>
+              </a:ext>
+            </a:extLst>
+          </p:cNvPr>
+          <p:cNvSpPr>
+            <a:spLocks noChangeAspect="1"/>
+          </p:cNvSpPr>
+          <p:nvPr/>
+        </p:nvSpPr>
+        <p:spPr>
+          <a:xfrm>
+            <a:off x="2892202" y="6270677"/>
+            <a:ext cx="182880" cy="182880"/>
+          </a:xfrm>
+          <a:prstGeom prst="ellipse">
+            <a:avLst/>
+          </a:prstGeom>
+          <a:solidFill>
+            <a:srgbClr val="FFC000">
+              <a:alpha val="25098"/>
+            </a:srgbClr>
+          </a:solidFill>
+          <a:ln w="38100">
+            <a:solidFill>
+              <a:srgbClr val="FF0000"/>
+            </a:solidFill>
+          </a:ln>
+        </p:spPr>
+        <p:style>
+          <a:lnRef idx="2">
+            <a:schemeClr val="accent1">
+              <a:shade val="50000"/>
+            </a:schemeClr>
+          </a:lnRef>
+          <a:fillRef idx="1">
+            <a:schemeClr val="accent1"/>
+          </a:fillRef>
+          <a:effectRef idx="0">
+            <a:schemeClr val="accent1"/>
+          </a:effectRef>
+          <a:fontRef idx="minor">
+            <a:schemeClr val="lt1"/>
+          </a:fontRef>
+        </p:style>
+        <p:txBody>
+          <a:bodyPr rtlCol="0" anchor="ctr"/>
+          <a:lstStyle/>
+          <a:p>
+            <a:pPr algn="ctr"/>
+            <a:endParaRPr lang="en-US"/>
+          </a:p>
+        </p:txBody>
+      </p:sp>
+      <p:sp>
+        <p:nvSpPr>
+          <p:cNvPr id="12" name="Oval 11">
+            <a:extLst>
+              <a:ext uri="{FF2B5EF4-FFF2-40B4-BE49-F238E27FC236}">
+                <a16:creationId xmlns:a16="http://schemas.microsoft.com/office/drawing/2014/main" id="{13D16939-5A9F-41F8-A2AE-75D85C1AE61E}"/>
+              </a:ext>
+            </a:extLst>
+          </p:cNvPr>
+          <p:cNvSpPr>
+            <a:spLocks noChangeAspect="1"/>
+          </p:cNvSpPr>
+          <p:nvPr/>
+        </p:nvSpPr>
+        <p:spPr>
+          <a:xfrm>
+            <a:off x="2761143" y="5501312"/>
+            <a:ext cx="182880" cy="182880"/>
+          </a:xfrm>
+          <a:prstGeom prst="ellipse">
+            <a:avLst/>
+          </a:prstGeom>
+          <a:solidFill>
+            <a:srgbClr val="FFC000">
+              <a:alpha val="25098"/>
+            </a:srgbClr>
+          </a:solidFill>
+          <a:ln w="38100">
+            <a:solidFill>
+              <a:srgbClr val="FF0000"/>
+            </a:solidFill>
+          </a:ln>
+        </p:spPr>
+        <p:style>
+          <a:lnRef idx="2">
+            <a:schemeClr val="accent1">
+              <a:shade val="50000"/>
+            </a:schemeClr>
+          </a:lnRef>
+          <a:fillRef idx="1">
+            <a:schemeClr val="accent1"/>
+          </a:fillRef>
+          <a:effectRef idx="0">
+            <a:schemeClr val="accent1"/>
+          </a:effectRef>
+          <a:fontRef idx="minor">
+            <a:schemeClr val="lt1"/>
+          </a:fontRef>
+        </p:style>
+        <p:txBody>
+          <a:bodyPr rtlCol="0" anchor="ctr"/>
+          <a:lstStyle/>
+          <a:p>
+            <a:pPr algn="ctr"/>
+            <a:endParaRPr lang="en-US"/>
+          </a:p>
+        </p:txBody>
+      </p:sp>
+      <p:sp>
+        <p:nvSpPr>
+          <p:cNvPr id="13" name="Oval 12">
+            <a:extLst>
+              <a:ext uri="{FF2B5EF4-FFF2-40B4-BE49-F238E27FC236}">
+                <a16:creationId xmlns:a16="http://schemas.microsoft.com/office/drawing/2014/main" id="{13D16939-5A9F-41F8-A2AE-75D85C1AE61E}"/>
+              </a:ext>
+            </a:extLst>
+          </p:cNvPr>
+          <p:cNvSpPr>
+            <a:spLocks noChangeAspect="1"/>
+          </p:cNvSpPr>
+          <p:nvPr/>
+        </p:nvSpPr>
+        <p:spPr>
+          <a:xfrm>
+            <a:off x="2800762" y="5258971"/>
+            <a:ext cx="182880" cy="182880"/>
+          </a:xfrm>
+          <a:prstGeom prst="ellipse">
+            <a:avLst/>
+          </a:prstGeom>
+          <a:solidFill>
+            <a:srgbClr val="FFC000">
+              <a:alpha val="25098"/>
+            </a:srgbClr>
+          </a:solidFill>
+          <a:ln w="38100">
+            <a:solidFill>
+              <a:srgbClr val="FF0000"/>
+            </a:solidFill>
+          </a:ln>
+        </p:spPr>
+        <p:style>
+          <a:lnRef idx="2">
+            <a:schemeClr val="accent1">
+              <a:shade val="50000"/>
+            </a:schemeClr>
+          </a:lnRef>
+          <a:fillRef idx="1">
+            <a:schemeClr val="accent1"/>
+          </a:fillRef>
+          <a:effectRef idx="0">
+            <a:schemeClr val="accent1"/>
+          </a:effectRef>
+          <a:fontRef idx="minor">
+            <a:schemeClr val="lt1"/>
+          </a:fontRef>
+        </p:style>
+        <p:txBody>
+          <a:bodyPr rtlCol="0" anchor="ctr"/>
+          <a:lstStyle/>
+          <a:p>
+            <a:pPr algn="ctr"/>
+            <a:endParaRPr lang="en-US"/>
+          </a:p>
+        </p:txBody>
+      </p:sp>
+      <p:sp>
+        <p:nvSpPr>
+          <p:cNvPr id="14" name="Oval 13">
+            <a:extLst>
+              <a:ext uri="{FF2B5EF4-FFF2-40B4-BE49-F238E27FC236}">
+                <a16:creationId xmlns:a16="http://schemas.microsoft.com/office/drawing/2014/main" id="{13D16939-5A9F-41F8-A2AE-75D85C1AE61E}"/>
+              </a:ext>
+            </a:extLst>
+          </p:cNvPr>
+          <p:cNvSpPr>
+            <a:spLocks noChangeAspect="1"/>
+          </p:cNvSpPr>
+          <p:nvPr/>
+        </p:nvSpPr>
+        <p:spPr>
+          <a:xfrm>
+            <a:off x="2800762" y="5044112"/>
+            <a:ext cx="182880" cy="182880"/>
+          </a:xfrm>
+          <a:prstGeom prst="ellipse">
+            <a:avLst/>
+          </a:prstGeom>
+          <a:solidFill>
+            <a:srgbClr val="FFC000">
+              <a:alpha val="25098"/>
+            </a:srgbClr>
+          </a:solidFill>
+          <a:ln w="38100">
+            <a:solidFill>
+              <a:srgbClr val="FF0000"/>
+            </a:solidFill>
+          </a:ln>
+        </p:spPr>
+        <p:style>
+          <a:lnRef idx="2">
+            <a:schemeClr val="accent1">
+              <a:shade val="50000"/>
+            </a:schemeClr>
+          </a:lnRef>
+          <a:fillRef idx="1">
+            <a:schemeClr val="accent1"/>
+          </a:fillRef>
+          <a:effectRef idx="0">
+            <a:schemeClr val="accent1"/>
+          </a:effectRef>
+          <a:fontRef idx="minor">
+            <a:schemeClr val="lt1"/>
+          </a:fontRef>
+        </p:style>
+        <p:txBody>
+          <a:bodyPr rtlCol="0" anchor="ctr"/>
+          <a:lstStyle/>
+          <a:p>
+            <a:pPr algn="ctr"/>
+            <a:endParaRPr lang="en-US"/>
+          </a:p>
+        </p:txBody>
+      </p:sp>
+    </p:spTree>
+    <p:extLst>
+      <p:ext uri="{BB962C8B-B14F-4D97-AF65-F5344CB8AC3E}">
+        <p14:creationId xmlns:p14="http://schemas.microsoft.com/office/powerpoint/2010/main" val="1198650939"/>
+      </p:ext>
+    </p:extLst>
+  </p:cSld>
+  <p:clrMapOvr>
+    <a:masterClrMapping/>
+  </p:clrMapOvr>
+</p:sld>
+</file>
+
 <file path=ppt/theme/theme1.xml><?xml version="1.0" encoding="utf-8"?>
 <a:theme xmlns:a="http://schemas.openxmlformats.org/drawingml/2006/main" name="Office Theme">
   <a:themeElements>
